--- a/LogBasedCDC.pptx
+++ b/LogBasedCDC.pptx
@@ -5,29 +5,26 @@
     <p:sldMasterId id="2147483780" r:id="rId1"/>
   </p:sldMasterIdLst>
   <p:notesMasterIdLst>
-    <p:notesMasterId r:id="rId22"/>
+    <p:notesMasterId r:id="rId19"/>
   </p:notesMasterIdLst>
   <p:sldIdLst>
     <p:sldId id="257" r:id="rId2"/>
     <p:sldId id="258" r:id="rId3"/>
-    <p:sldId id="490" r:id="rId4"/>
-    <p:sldId id="546" r:id="rId5"/>
-    <p:sldId id="544" r:id="rId6"/>
-    <p:sldId id="559" r:id="rId7"/>
-    <p:sldId id="547" r:id="rId8"/>
-    <p:sldId id="548" r:id="rId9"/>
-    <p:sldId id="549" r:id="rId10"/>
-    <p:sldId id="550" r:id="rId11"/>
-    <p:sldId id="545" r:id="rId12"/>
-    <p:sldId id="552" r:id="rId13"/>
-    <p:sldId id="551" r:id="rId14"/>
-    <p:sldId id="556" r:id="rId15"/>
-    <p:sldId id="557" r:id="rId16"/>
-    <p:sldId id="558" r:id="rId17"/>
-    <p:sldId id="555" r:id="rId18"/>
-    <p:sldId id="553" r:id="rId19"/>
-    <p:sldId id="554" r:id="rId20"/>
-    <p:sldId id="458" r:id="rId21"/>
+    <p:sldId id="552" r:id="rId4"/>
+    <p:sldId id="562" r:id="rId5"/>
+    <p:sldId id="565" r:id="rId6"/>
+    <p:sldId id="566" r:id="rId7"/>
+    <p:sldId id="551" r:id="rId8"/>
+    <p:sldId id="563" r:id="rId9"/>
+    <p:sldId id="555" r:id="rId10"/>
+    <p:sldId id="564" r:id="rId11"/>
+    <p:sldId id="560" r:id="rId12"/>
+    <p:sldId id="544" r:id="rId13"/>
+    <p:sldId id="490" r:id="rId14"/>
+    <p:sldId id="559" r:id="rId15"/>
+    <p:sldId id="561" r:id="rId16"/>
+    <p:sldId id="546" r:id="rId17"/>
+    <p:sldId id="458" r:id="rId18"/>
   </p:sldIdLst>
   <p:sldSz cx="12192000" cy="6858000"/>
   <p:notesSz cx="6858000" cy="9144000"/>
@@ -216,7 +213,7 @@
           <a:p>
             <a:fld id="{036E7C62-AA10-4983-9CDA-E713A59F7D4A}" type="datetimeFigureOut">
               <a:rPr lang="en-US" smtClean="0"/>
-              <a:t>4/27/2023</a:t>
+              <a:t>5/1/2023</a:t>
             </a:fld>
             <a:endParaRPr lang="en-US"/>
           </a:p>
@@ -3982,7 +3979,7 @@
           <a:p>
             <a:fld id="{4509A250-FF31-4206-8172-F9D3106AACB1}" type="datetimeFigureOut">
               <a:rPr lang="en-US" smtClean="0"/>
-              <a:t>4/27/2023</a:t>
+              <a:t>5/1/2023</a:t>
             </a:fld>
             <a:endParaRPr lang="en-US" dirty="0"/>
           </a:p>
@@ -8283,7 +8280,7 @@
           <a:p>
             <a:fld id="{9796027F-7875-4030-9381-8BD8C4F21935}" type="datetimeFigureOut">
               <a:rPr lang="en-US" smtClean="0"/>
-              <a:t>4/27/2023</a:t>
+              <a:t>5/1/2023</a:t>
             </a:fld>
             <a:endParaRPr lang="en-US" dirty="0"/>
           </a:p>
@@ -34128,45 +34125,145 @@
           <a:lstStyle/>
           <a:p>
             <a:r>
-              <a:rPr lang="en-US" dirty="0" err="1" smtClean="0"/>
-              <a:t>Git</a:t>
+              <a:rPr lang="en-US" dirty="0" smtClean="0"/>
+              <a:t>Concepts: </a:t>
             </a:r>
             <a:r>
               <a:rPr lang="en-US" dirty="0"/>
-              <a:t>: https://github.com/bao2902/logbasedcdc</a:t>
+              <a:t>K</a:t>
+            </a:r>
+            <a:r>
+              <a:rPr lang="en-US" dirty="0" smtClean="0"/>
+              <a:t>SQL</a:t>
             </a:r>
             <a:endParaRPr lang="en-US" dirty="0"/>
           </a:p>
         </p:txBody>
       </p:sp>
-      <p:pic>
-        <p:nvPicPr>
-          <p:cNvPr id="4" name="Picture 3"/>
-          <p:cNvPicPr>
-            <a:picLocks noChangeAspect="1"/>
-          </p:cNvPicPr>
+      <p:sp>
+        <p:nvSpPr>
+          <p:cNvPr id="2" name="TextBox 1"/>
+          <p:cNvSpPr txBox="1"/>
           <p:nvPr/>
-        </p:nvPicPr>
-        <p:blipFill>
-          <a:blip r:embed="rId2"/>
-          <a:stretch>
-            <a:fillRect/>
-          </a:stretch>
-        </p:blipFill>
-        <p:spPr>
-          <a:xfrm>
-            <a:off x="838200" y="1030853"/>
-            <a:ext cx="8132233" cy="5322239"/>
+        </p:nvSpPr>
+        <p:spPr>
+          <a:xfrm>
+            <a:off x="838200" y="1733384"/>
+            <a:ext cx="9995807" cy="3416320"/>
           </a:xfrm>
           <a:prstGeom prst="rect">
             <a:avLst/>
           </a:prstGeom>
-        </p:spPr>
-      </p:pic>
+          <a:noFill/>
+        </p:spPr>
+        <p:txBody>
+          <a:bodyPr wrap="square" rtlCol="0">
+            <a:spAutoFit/>
+          </a:bodyPr>
+          <a:lstStyle/>
+          <a:p>
+            <a:r>
+              <a:rPr lang="en-US" b="1" dirty="0"/>
+              <a:t>KSQL</a:t>
+            </a:r>
+            <a:endParaRPr lang="en-US" dirty="0" smtClean="0"/>
+          </a:p>
+          <a:p>
+            <a:endParaRPr lang="en-US" dirty="0" smtClean="0"/>
+          </a:p>
+          <a:p>
+            <a:r>
+              <a:rPr lang="en-US" dirty="0" smtClean="0"/>
+              <a:t>KSQL</a:t>
+            </a:r>
+            <a:r>
+              <a:rPr lang="en-US" b="1" dirty="0" smtClean="0"/>
+              <a:t> </a:t>
+            </a:r>
+            <a:r>
+              <a:rPr lang="en-US" dirty="0"/>
+              <a:t>is an open source streaming SQL engine for Apache Kafka. It provides a simple and completely interactive SQL interface for stream processing on Kafka; no need to write code in a programming language such as Java or Python. KSQL is open-source (Apache 2.0 licensed), distributed, scalable, reliable, and real-time</a:t>
+            </a:r>
+            <a:r>
+              <a:rPr lang="en-US" dirty="0" smtClean="0"/>
+              <a:t>.</a:t>
+            </a:r>
+          </a:p>
+          <a:p>
+            <a:endParaRPr lang="en-US" dirty="0"/>
+          </a:p>
+          <a:p>
+            <a:r>
+              <a:rPr lang="en-US" b="1" dirty="0"/>
+              <a:t>References:</a:t>
+            </a:r>
+          </a:p>
+          <a:p>
+            <a:r>
+              <a:rPr lang="en-US" dirty="0">
+                <a:hlinkClick r:id="rId2"/>
+              </a:rPr>
+              <a:t>https://</a:t>
+            </a:r>
+            <a:r>
+              <a:rPr lang="en-US" dirty="0" smtClean="0">
+                <a:hlinkClick r:id="rId2"/>
+              </a:rPr>
+              <a:t>stackshare.io/ksql</a:t>
+            </a:r>
+            <a:endParaRPr lang="en-US" dirty="0" smtClean="0"/>
+          </a:p>
+          <a:p>
+            <a:r>
+              <a:rPr lang="en-US" dirty="0" smtClean="0">
+                <a:hlinkClick r:id="rId3"/>
+              </a:rPr>
+              <a:t>https</a:t>
+            </a:r>
+            <a:r>
+              <a:rPr lang="en-US" dirty="0">
+                <a:hlinkClick r:id="rId3"/>
+              </a:rPr>
+              <a:t>://docs.ksqldb.io/en/latest/concepts/streams</a:t>
+            </a:r>
+            <a:r>
+              <a:rPr lang="en-US" dirty="0" smtClean="0">
+                <a:hlinkClick r:id="rId3"/>
+              </a:rPr>
+              <a:t>/</a:t>
+            </a:r>
+            <a:endParaRPr lang="en-US" dirty="0" smtClean="0"/>
+          </a:p>
+          <a:p>
+            <a:r>
+              <a:rPr lang="en-US" dirty="0" smtClean="0">
+                <a:hlinkClick r:id="rId4"/>
+              </a:rPr>
+              <a:t>https</a:t>
+            </a:r>
+            <a:r>
+              <a:rPr lang="en-US" dirty="0">
+                <a:hlinkClick r:id="rId4"/>
+              </a:rPr>
+              <a:t>://docs.ksqldb.io/en/latest/concepts/queries</a:t>
+            </a:r>
+            <a:r>
+              <a:rPr lang="en-US" dirty="0" smtClean="0">
+                <a:hlinkClick r:id="rId4"/>
+              </a:rPr>
+              <a:t>/</a:t>
+            </a:r>
+            <a:endParaRPr lang="en-US" dirty="0" smtClean="0"/>
+          </a:p>
+          <a:p>
+            <a:endParaRPr lang="en-US" dirty="0"/>
+          </a:p>
+        </p:txBody>
+      </p:sp>
     </p:spTree>
     <p:extLst>
       <p:ext uri="{BB962C8B-B14F-4D97-AF65-F5344CB8AC3E}">
-        <p14:creationId xmlns:p14="http://schemas.microsoft.com/office/powerpoint/2010/main" val="2386927775"/>
+        <p14:creationId xmlns:p14="http://schemas.microsoft.com/office/powerpoint/2010/main" val="207599094"/>
       </p:ext>
     </p:extLst>
   </p:cSld>
@@ -34210,127 +34307,51 @@
           <a:p>
             <a:r>
               <a:rPr lang="en-US" dirty="0" smtClean="0"/>
-              <a:t>Concepts: Docker</a:t>
-            </a:r>
+              <a:t>M</a:t>
+            </a:r>
+            <a:r>
+              <a:rPr lang="en-US" dirty="0" smtClean="0"/>
+              <a:t>odel 1: </a:t>
+            </a:r>
+            <a:r>
+              <a:rPr lang="en-US" dirty="0"/>
+              <a:t>Only CDC</a:t>
+            </a:r>
+            <a:br>
+              <a:rPr lang="en-US" dirty="0"/>
+            </a:br>
             <a:endParaRPr lang="en-US" dirty="0"/>
           </a:p>
         </p:txBody>
       </p:sp>
-      <p:sp>
-        <p:nvSpPr>
-          <p:cNvPr id="2" name="TextBox 1"/>
-          <p:cNvSpPr txBox="1"/>
+      <p:pic>
+        <p:nvPicPr>
+          <p:cNvPr id="6" name="Picture 5"/>
+          <p:cNvPicPr>
+            <a:picLocks noChangeAspect="1"/>
+          </p:cNvPicPr>
           <p:nvPr/>
-        </p:nvSpPr>
-        <p:spPr>
-          <a:xfrm>
-            <a:off x="838200" y="1733384"/>
-            <a:ext cx="9995807" cy="4247317"/>
+        </p:nvPicPr>
+        <p:blipFill>
+          <a:blip r:embed="rId2"/>
+          <a:stretch>
+            <a:fillRect/>
+          </a:stretch>
+        </p:blipFill>
+        <p:spPr>
+          <a:xfrm>
+            <a:off x="551290" y="1492112"/>
+            <a:ext cx="11049663" cy="2136556"/>
           </a:xfrm>
           <a:prstGeom prst="rect">
             <a:avLst/>
           </a:prstGeom>
-          <a:noFill/>
-        </p:spPr>
-        <p:txBody>
-          <a:bodyPr wrap="square" rtlCol="0">
-            <a:spAutoFit/>
-          </a:bodyPr>
-          <a:lstStyle/>
-          <a:p>
-            <a:r>
-              <a:rPr lang="en-US" b="1" dirty="0"/>
-              <a:t>Docker</a:t>
-            </a:r>
-            <a:r>
-              <a:rPr lang="en-US" dirty="0"/>
-              <a:t> is an open platform for developing, shipping, and running applications. Docker enables you to separate your applications from your infrastructure so you can deliver software quickly.</a:t>
-            </a:r>
-          </a:p>
-          <a:p>
-            <a:endParaRPr lang="en-US" dirty="0"/>
-          </a:p>
-          <a:p>
-            <a:r>
-              <a:rPr lang="en-US" dirty="0"/>
-              <a:t>A </a:t>
-            </a:r>
-            <a:r>
-              <a:rPr lang="en-US" b="1" dirty="0"/>
-              <a:t>container</a:t>
-            </a:r>
-            <a:r>
-              <a:rPr lang="en-US" dirty="0"/>
-              <a:t> is a runnable instance of an image. You can create, start, stop, move, or delete a container using the Docker API or CLI. You can connect a container to one or more networks, attach storage to it, or even create a new image based on its current state.</a:t>
-            </a:r>
-          </a:p>
-          <a:p>
-            <a:endParaRPr lang="en-US" dirty="0"/>
-          </a:p>
-          <a:p>
-            <a:r>
-              <a:rPr lang="en-US" b="1" dirty="0"/>
-              <a:t>Compose</a:t>
-            </a:r>
-            <a:r>
-              <a:rPr lang="en-US" dirty="0"/>
-              <a:t> is a tool for defining and running multi-container Docker applications. With Compose, you use a YAML file to configure your application’s services. Then, with a single command, you create and start all the services from your configuration.</a:t>
-            </a:r>
-          </a:p>
-          <a:p>
-            <a:endParaRPr lang="en-US" dirty="0"/>
-          </a:p>
-          <a:p>
-            <a:r>
-              <a:rPr lang="en-US" b="1" dirty="0"/>
-              <a:t>References:</a:t>
-            </a:r>
-          </a:p>
-          <a:p>
-            <a:r>
-              <a:rPr lang="en-US" dirty="0">
-                <a:hlinkClick r:id="rId2"/>
-              </a:rPr>
-              <a:t>https://docs.docker.com/get-started/overview</a:t>
-            </a:r>
-            <a:r>
-              <a:rPr lang="en-US" dirty="0" smtClean="0">
-                <a:hlinkClick r:id="rId2"/>
-              </a:rPr>
-              <a:t>/</a:t>
-            </a:r>
-            <a:endParaRPr lang="en-US" dirty="0" smtClean="0"/>
-          </a:p>
-          <a:p>
-            <a:r>
-              <a:rPr lang="en-US" dirty="0" smtClean="0">
-                <a:hlinkClick r:id="rId3"/>
-              </a:rPr>
-              <a:t>https</a:t>
-            </a:r>
-            <a:r>
-              <a:rPr lang="en-US" dirty="0">
-                <a:hlinkClick r:id="rId3"/>
-              </a:rPr>
-              <a:t>://docs.docker.com/compose</a:t>
-            </a:r>
-            <a:r>
-              <a:rPr lang="en-US" dirty="0" smtClean="0">
-                <a:hlinkClick r:id="rId3"/>
-              </a:rPr>
-              <a:t>/</a:t>
-            </a:r>
-            <a:endParaRPr lang="en-US" dirty="0" smtClean="0"/>
-          </a:p>
-          <a:p>
-            <a:endParaRPr lang="en-US" dirty="0"/>
-          </a:p>
-        </p:txBody>
-      </p:sp>
+        </p:spPr>
+      </p:pic>
     </p:spTree>
     <p:extLst>
       <p:ext uri="{BB962C8B-B14F-4D97-AF65-F5344CB8AC3E}">
-        <p14:creationId xmlns:p14="http://schemas.microsoft.com/office/powerpoint/2010/main" val="3917573027"/>
+        <p14:creationId xmlns:p14="http://schemas.microsoft.com/office/powerpoint/2010/main" val="771601607"/>
       </p:ext>
     </p:extLst>
   </p:cSld>
@@ -34374,157 +34395,57 @@
           <a:p>
             <a:r>
               <a:rPr lang="en-US" dirty="0" smtClean="0"/>
-              <a:t>Concepts: Apache Kafka</a:t>
-            </a:r>
+              <a:t>M</a:t>
+            </a:r>
+            <a:r>
+              <a:rPr lang="en-US" dirty="0" smtClean="0"/>
+              <a:t>odel 1: </a:t>
+            </a:r>
+            <a:r>
+              <a:rPr lang="en-US" dirty="0"/>
+              <a:t>Only CDC</a:t>
+            </a:r>
+            <a:br>
+              <a:rPr lang="en-US" dirty="0"/>
+            </a:br>
             <a:endParaRPr lang="en-US" dirty="0"/>
           </a:p>
         </p:txBody>
       </p:sp>
-      <p:sp>
-        <p:nvSpPr>
-          <p:cNvPr id="2" name="TextBox 1"/>
-          <p:cNvSpPr txBox="1"/>
+      <p:pic>
+        <p:nvPicPr>
+          <p:cNvPr id="2" name="Picture 1"/>
+          <p:cNvPicPr>
+            <a:picLocks noChangeAspect="1"/>
+          </p:cNvPicPr>
           <p:nvPr/>
-        </p:nvSpPr>
-        <p:spPr>
-          <a:xfrm>
-            <a:off x="838200" y="1733384"/>
-            <a:ext cx="9995807" cy="4801314"/>
+        </p:nvPicPr>
+        <p:blipFill>
+          <a:blip r:embed="rId2">
+            <a:extLst>
+              <a:ext uri="{28A0092B-C50C-407E-A947-70E740481C1C}">
+                <a14:useLocalDpi xmlns:a14="http://schemas.microsoft.com/office/drawing/2010/main" val="0"/>
+              </a:ext>
+            </a:extLst>
+          </a:blip>
+          <a:stretch>
+            <a:fillRect/>
+          </a:stretch>
+        </p:blipFill>
+        <p:spPr>
+          <a:xfrm>
+            <a:off x="345218" y="1337044"/>
+            <a:ext cx="11541827" cy="3417836"/>
           </a:xfrm>
           <a:prstGeom prst="rect">
             <a:avLst/>
           </a:prstGeom>
-          <a:noFill/>
-        </p:spPr>
-        <p:txBody>
-          <a:bodyPr wrap="square" rtlCol="0">
-            <a:spAutoFit/>
-          </a:bodyPr>
-          <a:lstStyle/>
-          <a:p>
-            <a:r>
-              <a:rPr lang="en-US" dirty="0" smtClean="0"/>
-              <a:t>Apache </a:t>
-            </a:r>
-            <a:r>
-              <a:rPr lang="en-US" b="1" dirty="0"/>
-              <a:t>Kafka</a:t>
-            </a:r>
-            <a:r>
-              <a:rPr lang="en-US" dirty="0"/>
-              <a:t> is an open-source distributed event streaming platform used by thousands of companies for high-performance data pipelines, streaming analytics, data integration, and mission-critical applications</a:t>
-            </a:r>
-            <a:r>
-              <a:rPr lang="en-US" dirty="0" smtClean="0"/>
-              <a:t>.</a:t>
-            </a:r>
-          </a:p>
-          <a:p>
-            <a:endParaRPr lang="en-US" dirty="0"/>
-          </a:p>
-          <a:p>
-            <a:r>
-              <a:rPr lang="en-US" dirty="0"/>
-              <a:t>An </a:t>
-            </a:r>
-            <a:r>
-              <a:rPr lang="en-US" b="1" dirty="0"/>
-              <a:t>event</a:t>
-            </a:r>
-            <a:r>
-              <a:rPr lang="en-US" dirty="0"/>
-              <a:t> records the fact that "something happened" in the world or in your business. It is also called record or message in the documentation.</a:t>
-            </a:r>
-          </a:p>
-          <a:p>
-            <a:endParaRPr lang="en-US" dirty="0"/>
-          </a:p>
-          <a:p>
-            <a:r>
-              <a:rPr lang="en-US" b="1" dirty="0"/>
-              <a:t>Producers</a:t>
-            </a:r>
-            <a:r>
-              <a:rPr lang="en-US" dirty="0"/>
-              <a:t> are those client applications that publish (write) events to </a:t>
-            </a:r>
-            <a:r>
-              <a:rPr lang="en-US" dirty="0" smtClean="0"/>
-              <a:t>Kafka.</a:t>
-            </a:r>
-            <a:endParaRPr lang="en-US" dirty="0"/>
-          </a:p>
-          <a:p>
-            <a:endParaRPr lang="en-US" dirty="0"/>
-          </a:p>
-          <a:p>
-            <a:r>
-              <a:rPr lang="en-US" b="1" dirty="0"/>
-              <a:t>Consumers</a:t>
-            </a:r>
-            <a:r>
-              <a:rPr lang="en-US" dirty="0"/>
-              <a:t> are those that subscribe to (read and process) these </a:t>
-            </a:r>
-            <a:r>
-              <a:rPr lang="en-US" dirty="0" smtClean="0"/>
-              <a:t>events.</a:t>
-            </a:r>
-            <a:endParaRPr lang="en-US" dirty="0"/>
-          </a:p>
-          <a:p>
-            <a:endParaRPr lang="en-US" dirty="0"/>
-          </a:p>
-          <a:p>
-            <a:r>
-              <a:rPr lang="en-US" dirty="0"/>
-              <a:t>Events are organized and durably stored in </a:t>
-            </a:r>
-            <a:r>
-              <a:rPr lang="en-US" b="1" dirty="0" smtClean="0"/>
-              <a:t>topics</a:t>
-            </a:r>
-            <a:r>
-              <a:rPr lang="en-US" dirty="0" smtClean="0"/>
-              <a:t>.</a:t>
-            </a:r>
-          </a:p>
-          <a:p>
-            <a:endParaRPr lang="en-US" dirty="0"/>
-          </a:p>
-          <a:p>
-            <a:r>
-              <a:rPr lang="en-US" b="1" dirty="0"/>
-              <a:t>References:</a:t>
-            </a:r>
-          </a:p>
-          <a:p>
-            <a:r>
-              <a:rPr lang="en-US" dirty="0">
-                <a:hlinkClick r:id="rId2"/>
-              </a:rPr>
-              <a:t>https://kafka.apache.org/</a:t>
-            </a:r>
-            <a:endParaRPr lang="en-US" dirty="0"/>
-          </a:p>
-          <a:p>
-            <a:r>
-              <a:rPr lang="en-US" dirty="0">
-                <a:hlinkClick r:id="rId3"/>
-              </a:rPr>
-              <a:t>https://kafka.apache.org/intro</a:t>
-            </a:r>
-            <a:endParaRPr lang="en-US" dirty="0"/>
-          </a:p>
-          <a:p>
-            <a:endParaRPr lang="en-US" dirty="0"/>
-          </a:p>
-        </p:txBody>
-      </p:sp>
+        </p:spPr>
+      </p:pic>
     </p:spTree>
     <p:extLst>
       <p:ext uri="{BB962C8B-B14F-4D97-AF65-F5344CB8AC3E}">
-        <p14:creationId xmlns:p14="http://schemas.microsoft.com/office/powerpoint/2010/main" val="1009033948"/>
+        <p14:creationId xmlns:p14="http://schemas.microsoft.com/office/powerpoint/2010/main" val="1155411312"/>
       </p:ext>
     </p:extLst>
   </p:cSld>
@@ -34568,11 +34489,7 @@
           <a:p>
             <a:r>
               <a:rPr lang="en-US" dirty="0" smtClean="0"/>
-              <a:t>Concepts: </a:t>
-            </a:r>
-            <a:r>
-              <a:rPr lang="en-US" dirty="0" err="1" smtClean="0"/>
-              <a:t>Debezium</a:t>
+              <a:t>Context 1: Only CDC</a:t>
             </a:r>
             <a:endParaRPr lang="en-US" dirty="0"/>
           </a:p>
@@ -34587,7 +34504,7 @@
         <p:spPr>
           <a:xfrm>
             <a:off x="838200" y="1733384"/>
-            <a:ext cx="9995807" cy="4247317"/>
+            <a:ext cx="9995807" cy="2585323"/>
           </a:xfrm>
           <a:prstGeom prst="rect">
             <a:avLst/>
@@ -34601,120 +34518,146 @@
           <a:lstStyle/>
           <a:p>
             <a:r>
-              <a:rPr lang="en-US" b="1" dirty="0" err="1" smtClean="0"/>
-              <a:t>Debezium</a:t>
-            </a:r>
-            <a:endParaRPr lang="en-US" b="1" dirty="0" smtClean="0"/>
-          </a:p>
-          <a:p>
-            <a:endParaRPr lang="en-US" b="1" dirty="0"/>
-          </a:p>
-          <a:p>
+              <a:rPr lang="en-US" b="1" dirty="0" smtClean="0"/>
+              <a:t>Description:</a:t>
+            </a:r>
+            <a:endParaRPr lang="en-US" dirty="0" smtClean="0"/>
+          </a:p>
+          <a:p>
+            <a:r>
+              <a:rPr lang="en-US" dirty="0" smtClean="0"/>
+              <a:t>- </a:t>
+            </a:r>
+            <a:r>
+              <a:rPr lang="en-US" dirty="0"/>
+              <a:t>We have a Users table (fields: </a:t>
+            </a:r>
             <a:r>
               <a:rPr lang="en-US" dirty="0" err="1"/>
-              <a:t>Debezium</a:t>
+              <a:t>user_id</a:t>
             </a:r>
             <a:r>
               <a:rPr lang="en-US" dirty="0"/>
-              <a:t> is an open-source tool for CDC that is based on Apache Kafka. It can capture row-level changes using transactional logs. The order of events recorded by </a:t>
+              <a:t>, </a:t>
             </a:r>
             <a:r>
               <a:rPr lang="en-US" dirty="0" err="1"/>
-              <a:t>Debezium</a:t>
+              <a:t>first_name</a:t>
             </a:r>
             <a:r>
               <a:rPr lang="en-US" dirty="0"/>
-              <a:t> is the same as how changes were made to the database. These events become topics published to Apache Kafka</a:t>
+              <a:t>, </a:t>
+            </a:r>
+            <a:r>
+              <a:rPr lang="en-US" dirty="0" err="1"/>
+              <a:t>last_name</a:t>
+            </a:r>
+            <a:r>
+              <a:rPr lang="en-US" dirty="0"/>
+              <a:t>) in a source PostgreSQL database.</a:t>
+            </a:r>
+          </a:p>
+          <a:p>
+            <a:r>
+              <a:rPr lang="en-US" dirty="0"/>
+              <a:t>- We have a Wages table (fields: </a:t>
+            </a:r>
+            <a:r>
+              <a:rPr lang="en-US" dirty="0" err="1"/>
+              <a:t>user_id</a:t>
+            </a:r>
+            <a:r>
+              <a:rPr lang="en-US" dirty="0"/>
+              <a:t>, wage) in </a:t>
+            </a:r>
+            <a:r>
+              <a:rPr lang="en-US" dirty="0" smtClean="0"/>
+              <a:t>another </a:t>
+            </a:r>
+            <a:r>
+              <a:rPr lang="en-US" dirty="0" err="1"/>
+              <a:t>soure</a:t>
+            </a:r>
+            <a:r>
+              <a:rPr lang="en-US" dirty="0"/>
+              <a:t> PostgreSQL database.</a:t>
+            </a:r>
+          </a:p>
+          <a:p>
+            <a:r>
+              <a:rPr lang="en-US" dirty="0"/>
+              <a:t>- We have a Users table (fields: </a:t>
+            </a:r>
+            <a:r>
+              <a:rPr lang="en-US" dirty="0" err="1"/>
+              <a:t>user_id</a:t>
+            </a:r>
+            <a:r>
+              <a:rPr lang="en-US" dirty="0"/>
+              <a:t>, </a:t>
+            </a:r>
+            <a:r>
+              <a:rPr lang="en-US" dirty="0" err="1"/>
+              <a:t>first_name</a:t>
+            </a:r>
+            <a:r>
+              <a:rPr lang="en-US" dirty="0"/>
+              <a:t>, </a:t>
+            </a:r>
+            <a:r>
+              <a:rPr lang="en-US" dirty="0" err="1"/>
+              <a:t>last_name</a:t>
+            </a:r>
+            <a:r>
+              <a:rPr lang="en-US" dirty="0"/>
+              <a:t>) in a sink PostgreSQL database.</a:t>
+            </a:r>
+          </a:p>
+          <a:p>
+            <a:r>
+              <a:rPr lang="en-US" dirty="0"/>
+              <a:t>- We have a Wages table (fields: </a:t>
+            </a:r>
+            <a:r>
+              <a:rPr lang="en-US" dirty="0" err="1"/>
+              <a:t>user_id</a:t>
+            </a:r>
+            <a:r>
+              <a:rPr lang="en-US" dirty="0"/>
+              <a:t>, wage) in a sink PostgreSQL database.</a:t>
+            </a:r>
+          </a:p>
+          <a:p>
+            <a:r>
+              <a:rPr lang="en-US" dirty="0"/>
+              <a:t>- We want to synchronize the Change Data Capture (CDC) to the tables Users and Wages in a sink PostgreSQL database when the tables Users and Wages are inserted, updated, or deleted in the source PostgreSQL database.</a:t>
+            </a:r>
+          </a:p>
+          <a:p>
+            <a:r>
+              <a:rPr lang="en-US" dirty="0"/>
+              <a:t>- We expect this </a:t>
+            </a:r>
+            <a:r>
+              <a:rPr lang="en-US" dirty="0" err="1"/>
+              <a:t>synchonization</a:t>
+            </a:r>
+            <a:r>
+              <a:rPr lang="en-US" dirty="0"/>
+              <a:t> </a:t>
+            </a:r>
+            <a:r>
+              <a:rPr lang="en-US" dirty="0" err="1"/>
+              <a:t>happenning</a:t>
+            </a:r>
+            <a:r>
+              <a:rPr lang="en-US" dirty="0"/>
+              <a:t> in near-real-time</a:t>
             </a:r>
             <a:r>
               <a:rPr lang="en-US" dirty="0" smtClean="0"/>
               <a:t>.</a:t>
             </a:r>
-          </a:p>
-          <a:p>
-            <a:endParaRPr lang="en-US" dirty="0"/>
-          </a:p>
-          <a:p>
-            <a:r>
-              <a:rPr lang="en-US" b="1" dirty="0" err="1"/>
-              <a:t>Debezium</a:t>
-            </a:r>
-            <a:r>
-              <a:rPr lang="en-US" b="1" dirty="0"/>
-              <a:t> connector for </a:t>
-            </a:r>
-            <a:r>
-              <a:rPr lang="en-US" b="1" dirty="0" smtClean="0"/>
-              <a:t>PostgreSQL</a:t>
-            </a:r>
-          </a:p>
-          <a:p>
-            <a:endParaRPr lang="en-US" dirty="0"/>
-          </a:p>
-          <a:p>
-            <a:r>
-              <a:rPr lang="en-US" dirty="0"/>
-              <a:t>The </a:t>
-            </a:r>
-            <a:r>
-              <a:rPr lang="en-US" dirty="0" err="1"/>
-              <a:t>Debezium</a:t>
-            </a:r>
-            <a:r>
-              <a:rPr lang="en-US" dirty="0"/>
-              <a:t> PostgreSQL connector captures row-level changes in the schemas of a PostgreSQL database</a:t>
-            </a:r>
-            <a:r>
-              <a:rPr lang="en-US" dirty="0" smtClean="0"/>
-              <a:t>.</a:t>
-            </a:r>
-          </a:p>
-          <a:p>
-            <a:endParaRPr lang="en-US" dirty="0"/>
-          </a:p>
-          <a:p>
-            <a:r>
-              <a:rPr lang="en-US" b="1" dirty="0"/>
-              <a:t>References:</a:t>
-            </a:r>
-          </a:p>
-          <a:p>
-            <a:r>
-              <a:rPr lang="en-US" dirty="0">
-                <a:hlinkClick r:id="rId2"/>
-              </a:rPr>
-              <a:t>https://</a:t>
-            </a:r>
-            <a:r>
-              <a:rPr lang="en-US" dirty="0" smtClean="0">
-                <a:hlinkClick r:id="rId2"/>
-              </a:rPr>
-              <a:t>www.arcion.io/blog/cdc-tools</a:t>
-            </a:r>
-            <a:endParaRPr lang="en-US" dirty="0" smtClean="0"/>
-          </a:p>
-          <a:p>
-            <a:r>
-              <a:rPr lang="en-US" dirty="0" smtClean="0">
-                <a:hlinkClick r:id="rId3"/>
-              </a:rPr>
-              <a:t>https</a:t>
-            </a:r>
-            <a:r>
-              <a:rPr lang="en-US" dirty="0">
-                <a:hlinkClick r:id="rId3"/>
-              </a:rPr>
-              <a:t>://</a:t>
-            </a:r>
-            <a:r>
-              <a:rPr lang="en-US" dirty="0" smtClean="0">
-                <a:hlinkClick r:id="rId3"/>
-              </a:rPr>
-              <a:t>debezium.io/documentation/reference/stable/connectors/postgresql.html</a:t>
-            </a:r>
-            <a:endParaRPr lang="en-US" dirty="0" smtClean="0"/>
-          </a:p>
-          <a:p>
             <a:endParaRPr lang="en-US" dirty="0"/>
           </a:p>
         </p:txBody>
@@ -34722,7 +34665,7 @@
     </p:spTree>
     <p:extLst>
       <p:ext uri="{BB962C8B-B14F-4D97-AF65-F5344CB8AC3E}">
-        <p14:creationId xmlns:p14="http://schemas.microsoft.com/office/powerpoint/2010/main" val="4293549566"/>
+        <p14:creationId xmlns:p14="http://schemas.microsoft.com/office/powerpoint/2010/main" val="3865073197"/>
       </p:ext>
     </p:extLst>
   </p:cSld>
@@ -34765,234 +34708,52 @@
           <a:lstStyle/>
           <a:p>
             <a:r>
-              <a:rPr lang="en-US" dirty="0" err="1" smtClean="0"/>
-              <a:t>Debezium</a:t>
-            </a:r>
-            <a:r>
               <a:rPr lang="en-US" dirty="0" smtClean="0"/>
-              <a:t> CDC Insert Message Example</a:t>
-            </a:r>
+              <a:t>M</a:t>
+            </a:r>
+            <a:r>
+              <a:rPr lang="en-US" dirty="0" smtClean="0"/>
+              <a:t>odel 2: </a:t>
+            </a:r>
+            <a:r>
+              <a:rPr lang="en-US" dirty="0"/>
+              <a:t>CDC + Transform</a:t>
+            </a:r>
+            <a:br>
+              <a:rPr lang="en-US" dirty="0"/>
+            </a:br>
             <a:endParaRPr lang="en-US" dirty="0"/>
           </a:p>
         </p:txBody>
       </p:sp>
-      <p:sp>
-        <p:nvSpPr>
-          <p:cNvPr id="2" name="TextBox 1"/>
-          <p:cNvSpPr txBox="1"/>
+      <p:pic>
+        <p:nvPicPr>
+          <p:cNvPr id="6" name="Picture 5"/>
+          <p:cNvPicPr>
+            <a:picLocks noChangeAspect="1"/>
+          </p:cNvPicPr>
           <p:nvPr/>
-        </p:nvSpPr>
-        <p:spPr>
-          <a:xfrm>
-            <a:off x="838200" y="1733384"/>
-            <a:ext cx="9995807" cy="3754874"/>
+        </p:nvPicPr>
+        <p:blipFill>
+          <a:blip r:embed="rId2"/>
+          <a:stretch>
+            <a:fillRect/>
+          </a:stretch>
+        </p:blipFill>
+        <p:spPr>
+          <a:xfrm>
+            <a:off x="565619" y="1326708"/>
+            <a:ext cx="11125751" cy="4207399"/>
           </a:xfrm>
           <a:prstGeom prst="rect">
             <a:avLst/>
           </a:prstGeom>
-          <a:noFill/>
-        </p:spPr>
-        <p:txBody>
-          <a:bodyPr wrap="square" rtlCol="0">
-            <a:spAutoFit/>
-          </a:bodyPr>
-          <a:lstStyle/>
-          <a:p>
-            <a:r>
-              <a:rPr lang="en-US" sz="1400" dirty="0" err="1"/>
-              <a:t>rowtime</a:t>
-            </a:r>
-            <a:r>
-              <a:rPr lang="en-US" sz="1400" dirty="0"/>
-              <a:t>: 2023/04/28 02:51:17.887 Z, key: {"schema":{"type":"</a:t>
-            </a:r>
-            <a:r>
-              <a:rPr lang="en-US" sz="1400" dirty="0" err="1"/>
-              <a:t>struct</a:t>
-            </a:r>
-            <a:r>
-              <a:rPr lang="en-US" sz="1400" dirty="0"/>
-              <a:t>","fields":[{"type":"int32","optional":false,"field":"user_id"}],"optional":false,"name":"</a:t>
-            </a:r>
-            <a:r>
-              <a:rPr lang="en-US" sz="1400" dirty="0" err="1"/>
-              <a:t>localhost.public.users.Key</a:t>
-            </a:r>
-            <a:r>
-              <a:rPr lang="en-US" sz="1400" dirty="0"/>
-              <a:t>"},"payload":{"user_id":1}}, value: {"schema":{"type":"</a:t>
-            </a:r>
-            <a:r>
-              <a:rPr lang="en-US" sz="1400" dirty="0" err="1"/>
-              <a:t>struct</a:t>
-            </a:r>
-            <a:r>
-              <a:rPr lang="en-US" sz="1400" dirty="0"/>
-              <a:t>","fields":[{"type":"</a:t>
-            </a:r>
-            <a:r>
-              <a:rPr lang="en-US" sz="1400" dirty="0" err="1"/>
-              <a:t>struct</a:t>
-            </a:r>
-            <a:r>
-              <a:rPr lang="en-US" sz="1400" dirty="0"/>
-              <a:t>","fields":[{"type":"int32","optional":false,"field":"user_id"},{"type":"string","optional":true,"field":"</a:t>
-            </a:r>
-            <a:r>
-              <a:rPr lang="en-US" sz="1400" dirty="0" err="1"/>
-              <a:t>first_name</a:t>
-            </a:r>
-            <a:r>
-              <a:rPr lang="en-US" sz="1400" dirty="0"/>
-              <a:t>"},{"type":"string","optional":true,"field":"</a:t>
-            </a:r>
-            <a:r>
-              <a:rPr lang="en-US" sz="1400" dirty="0" err="1"/>
-              <a:t>last_name</a:t>
-            </a:r>
-            <a:r>
-              <a:rPr lang="en-US" sz="1400" dirty="0"/>
-              <a:t>"}],"optional":true,"name":"localhost.public.users.Value","field":"before"},{"type":"</a:t>
-            </a:r>
-            <a:r>
-              <a:rPr lang="en-US" sz="1400" dirty="0" err="1"/>
-              <a:t>struct</a:t>
-            </a:r>
-            <a:r>
-              <a:rPr lang="en-US" sz="1400" dirty="0"/>
-              <a:t>","fields":[{"type":"int32","optional":false,"field":"user_id"},{"type":"string","optional":true,"field":"</a:t>
-            </a:r>
-            <a:r>
-              <a:rPr lang="en-US" sz="1400" dirty="0" err="1"/>
-              <a:t>first_name</a:t>
-            </a:r>
-            <a:r>
-              <a:rPr lang="en-US" sz="1400" dirty="0"/>
-              <a:t>"},{"type":"string","optional":true,"field":"</a:t>
-            </a:r>
-            <a:r>
-              <a:rPr lang="en-US" sz="1400" dirty="0" err="1"/>
-              <a:t>last_name</a:t>
-            </a:r>
-            <a:r>
-              <a:rPr lang="en-US" sz="1400" dirty="0"/>
-              <a:t>"}],"optional":true,"name":"localhost.public.users.Value","field":"after"},{"type":"</a:t>
-            </a:r>
-            <a:r>
-              <a:rPr lang="en-US" sz="1400" dirty="0" err="1"/>
-              <a:t>struct</a:t>
-            </a:r>
-            <a:r>
-              <a:rPr lang="en-US" sz="1400" dirty="0"/>
-              <a:t>","fields":[{"</a:t>
-            </a:r>
-            <a:r>
-              <a:rPr lang="en-US" sz="1400" dirty="0" err="1"/>
-              <a:t>type":"string","optional":false,"field":"version</a:t>
-            </a:r>
-            <a:r>
-              <a:rPr lang="en-US" sz="1400" dirty="0"/>
-              <a:t>"},{"</a:t>
-            </a:r>
-            <a:r>
-              <a:rPr lang="en-US" sz="1400" dirty="0" err="1"/>
-              <a:t>type":"string","optional":false,"field":"connector</a:t>
-            </a:r>
-            <a:r>
-              <a:rPr lang="en-US" sz="1400" dirty="0"/>
-              <a:t>"},{"</a:t>
-            </a:r>
-            <a:r>
-              <a:rPr lang="en-US" sz="1400" dirty="0" err="1"/>
-              <a:t>type":"string","optional":false,"field":"name</a:t>
-            </a:r>
-            <a:r>
-              <a:rPr lang="en-US" sz="1400" dirty="0"/>
-              <a:t>"},{"type":"int64","optional":false,"field":"ts_ms"},{"type":"string","optional":true,"name":"io.debezium.data.Enum","version":1,"parameters":{"allowed":"</a:t>
-            </a:r>
-            <a:r>
-              <a:rPr lang="en-US" sz="1400" dirty="0" err="1"/>
-              <a:t>true,last,false</a:t>
-            </a:r>
-            <a:r>
-              <a:rPr lang="en-US" sz="1400" dirty="0"/>
-              <a:t>"},"</a:t>
-            </a:r>
-            <a:r>
-              <a:rPr lang="en-US" sz="1400" dirty="0" err="1"/>
-              <a:t>default":"false","field":"snapshot</a:t>
-            </a:r>
-            <a:r>
-              <a:rPr lang="en-US" sz="1400" dirty="0"/>
-              <a:t>"},{"type":"string","optional":false,"field":"</a:t>
-            </a:r>
-            <a:r>
-              <a:rPr lang="en-US" sz="1400" dirty="0" err="1"/>
-              <a:t>db</a:t>
-            </a:r>
-            <a:r>
-              <a:rPr lang="en-US" sz="1400" dirty="0"/>
-              <a:t>"},{"</a:t>
-            </a:r>
-            <a:r>
-              <a:rPr lang="en-US" sz="1400" dirty="0" err="1"/>
-              <a:t>type":"string","optional":false,"field":"schema</a:t>
-            </a:r>
-            <a:r>
-              <a:rPr lang="en-US" sz="1400" dirty="0"/>
-              <a:t>"},{"</a:t>
-            </a:r>
-            <a:r>
-              <a:rPr lang="en-US" sz="1400" dirty="0" err="1"/>
-              <a:t>type":"string","optional":false,"field":"table</a:t>
-            </a:r>
-            <a:r>
-              <a:rPr lang="en-US" sz="1400" dirty="0"/>
-              <a:t>"},{"type":"int64","optional":true,"field":"txId"},{"type":"int64","optional":true,"field":"lsn"},{"type":"int64","optional":true,"field":"xmin"}],"optional":false,"name":"io.debezium.connector.postgresql.Source","field":"source"},{"</a:t>
-            </a:r>
-            <a:r>
-              <a:rPr lang="en-US" sz="1400" dirty="0" err="1"/>
-              <a:t>type":"string","optional":false,"field":"op</a:t>
-            </a:r>
-            <a:r>
-              <a:rPr lang="en-US" sz="1400" dirty="0"/>
-              <a:t>"},{"type":"int64","optional":true,"field":"ts_ms"}],"optional":false,"name":"</a:t>
-            </a:r>
-            <a:r>
-              <a:rPr lang="en-US" sz="1400" dirty="0" err="1"/>
-              <a:t>localhost.public.users.Envelope</a:t>
-            </a:r>
-            <a:r>
-              <a:rPr lang="en-US" sz="1400" dirty="0"/>
-              <a:t>"},"payload":{"</a:t>
-            </a:r>
-            <a:r>
-              <a:rPr lang="en-US" sz="1400" dirty="0" err="1"/>
-              <a:t>before":null,"after</a:t>
-            </a:r>
-            <a:r>
-              <a:rPr lang="en-US" sz="1400" dirty="0"/>
-              <a:t>":{"user_id":1,"first_name":"first 1","last_name":"last 1"},"source":{"version":"0.10.0.Final","connector":"postgresql","name":"localhost","ts_ms":1682650277672,"snapshot":"false","db":"postgres","schema":"public","table":"users","txId":944,"lsn":23763632,"xmin":null},</a:t>
-            </a:r>
-            <a:r>
-              <a:rPr lang="en-US" sz="1400" b="1" dirty="0">
-                <a:solidFill>
-                  <a:srgbClr val="FF0000"/>
-                </a:solidFill>
-              </a:rPr>
-              <a:t>"op":"c"</a:t>
-            </a:r>
-            <a:r>
-              <a:rPr lang="en-US" sz="1400" dirty="0"/>
-              <a:t>,"ts_ms":1682650277716}}, partition: 0</a:t>
-            </a:r>
-          </a:p>
-        </p:txBody>
-      </p:sp>
+        </p:spPr>
+      </p:pic>
     </p:spTree>
     <p:extLst>
       <p:ext uri="{BB962C8B-B14F-4D97-AF65-F5344CB8AC3E}">
-        <p14:creationId xmlns:p14="http://schemas.microsoft.com/office/powerpoint/2010/main" val="2561090503"/>
+        <p14:creationId xmlns:p14="http://schemas.microsoft.com/office/powerpoint/2010/main" val="3359584533"/>
       </p:ext>
     </p:extLst>
   </p:cSld>
@@ -35035,242 +34796,51 @@
           <a:lstStyle/>
           <a:p>
             <a:r>
-              <a:rPr lang="en-US" dirty="0" err="1" smtClean="0"/>
-              <a:t>Debezium</a:t>
-            </a:r>
-            <a:r>
               <a:rPr lang="en-US" dirty="0" smtClean="0"/>
-              <a:t> CDC Update Message Example</a:t>
+              <a:t>M</a:t>
+            </a:r>
+            <a:r>
+              <a:rPr lang="en-US" dirty="0" smtClean="0"/>
+              <a:t>odel 2: CDC + Transform</a:t>
             </a:r>
             <a:endParaRPr lang="en-US" dirty="0"/>
           </a:p>
         </p:txBody>
       </p:sp>
-      <p:sp>
-        <p:nvSpPr>
-          <p:cNvPr id="2" name="TextBox 1"/>
-          <p:cNvSpPr txBox="1"/>
+      <p:pic>
+        <p:nvPicPr>
+          <p:cNvPr id="4" name="Picture 3"/>
+          <p:cNvPicPr>
+            <a:picLocks noChangeAspect="1"/>
+          </p:cNvPicPr>
           <p:nvPr/>
-        </p:nvSpPr>
-        <p:spPr>
-          <a:xfrm>
-            <a:off x="838200" y="1733384"/>
-            <a:ext cx="9995807" cy="3754874"/>
+        </p:nvPicPr>
+        <p:blipFill>
+          <a:blip r:embed="rId2">
+            <a:extLst>
+              <a:ext uri="{28A0092B-C50C-407E-A947-70E740481C1C}">
+                <a14:useLocalDpi xmlns:a14="http://schemas.microsoft.com/office/drawing/2010/main" val="0"/>
+              </a:ext>
+            </a:extLst>
+          </a:blip>
+          <a:stretch>
+            <a:fillRect/>
+          </a:stretch>
+        </p:blipFill>
+        <p:spPr>
+          <a:xfrm>
+            <a:off x="329316" y="944141"/>
+            <a:ext cx="11438614" cy="5261463"/>
           </a:xfrm>
           <a:prstGeom prst="rect">
             <a:avLst/>
           </a:prstGeom>
-          <a:noFill/>
-        </p:spPr>
-        <p:txBody>
-          <a:bodyPr wrap="square" rtlCol="0">
-            <a:spAutoFit/>
-          </a:bodyPr>
-          <a:lstStyle/>
-          <a:p>
-            <a:r>
-              <a:rPr lang="en-US" sz="1400" dirty="0" err="1"/>
-              <a:t>rowtime</a:t>
-            </a:r>
-            <a:r>
-              <a:rPr lang="en-US" sz="1400" dirty="0"/>
-              <a:t>: 2023/04/28 02:51:43.387 Z, key: {"schema":{"type":"</a:t>
-            </a:r>
-            <a:r>
-              <a:rPr lang="en-US" sz="1400" dirty="0" err="1"/>
-              <a:t>struct</a:t>
-            </a:r>
-            <a:r>
-              <a:rPr lang="en-US" sz="1400" dirty="0"/>
-              <a:t>","fields":[{"type":"int32","optional":false,"field":"user_id"}],"optional":false,"name":"</a:t>
-            </a:r>
-            <a:r>
-              <a:rPr lang="en-US" sz="1400" dirty="0" err="1"/>
-              <a:t>localhost.public.users.Key</a:t>
-            </a:r>
-            <a:r>
-              <a:rPr lang="en-US" sz="1400" dirty="0"/>
-              <a:t>"},"payload":{"user_id":1}}, value: {"schema":{"type":"</a:t>
-            </a:r>
-            <a:r>
-              <a:rPr lang="en-US" sz="1400" dirty="0" err="1"/>
-              <a:t>struct</a:t>
-            </a:r>
-            <a:r>
-              <a:rPr lang="en-US" sz="1400" dirty="0"/>
-              <a:t>","fields":[{"type":"</a:t>
-            </a:r>
-            <a:r>
-              <a:rPr lang="en-US" sz="1400" dirty="0" err="1"/>
-              <a:t>struct</a:t>
-            </a:r>
-            <a:r>
-              <a:rPr lang="en-US" sz="1400" dirty="0"/>
-              <a:t>","fields":[{"type":"int32","optional":false,"field":"user_id"},{"type":"string","optional":true,"field":"</a:t>
-            </a:r>
-            <a:r>
-              <a:rPr lang="en-US" sz="1400" dirty="0" err="1"/>
-              <a:t>first_name</a:t>
-            </a:r>
-            <a:r>
-              <a:rPr lang="en-US" sz="1400" dirty="0"/>
-              <a:t>"},{"type":"string","optional":true,"field":"</a:t>
-            </a:r>
-            <a:r>
-              <a:rPr lang="en-US" sz="1400" dirty="0" err="1"/>
-              <a:t>last_name</a:t>
-            </a:r>
-            <a:r>
-              <a:rPr lang="en-US" sz="1400" dirty="0"/>
-              <a:t>"}],"optional":true,"name":"localhost.public.users.Value","field":"before"},{"type":"</a:t>
-            </a:r>
-            <a:r>
-              <a:rPr lang="en-US" sz="1400" dirty="0" err="1"/>
-              <a:t>struct</a:t>
-            </a:r>
-            <a:r>
-              <a:rPr lang="en-US" sz="1400" dirty="0"/>
-              <a:t>","fields":[{"type":"int32","optional":false,"field":"user_id"},{"type":"string","optional":true,"field":"</a:t>
-            </a:r>
-            <a:r>
-              <a:rPr lang="en-US" sz="1400" dirty="0" err="1"/>
-              <a:t>first_name</a:t>
-            </a:r>
-            <a:r>
-              <a:rPr lang="en-US" sz="1400" dirty="0"/>
-              <a:t>"},{"type":"string","optional":true,"field":"</a:t>
-            </a:r>
-            <a:r>
-              <a:rPr lang="en-US" sz="1400" dirty="0" err="1"/>
-              <a:t>last_name</a:t>
-            </a:r>
-            <a:r>
-              <a:rPr lang="en-US" sz="1400" dirty="0"/>
-              <a:t>"}],"optional":true,"name":"localhost.public.users.Value","field":"after"},{"type":"</a:t>
-            </a:r>
-            <a:r>
-              <a:rPr lang="en-US" sz="1400" dirty="0" err="1"/>
-              <a:t>struct</a:t>
-            </a:r>
-            <a:r>
-              <a:rPr lang="en-US" sz="1400" dirty="0"/>
-              <a:t>","fields":[{"</a:t>
-            </a:r>
-            <a:r>
-              <a:rPr lang="en-US" sz="1400" dirty="0" err="1"/>
-              <a:t>type":"string","optional":false,"field":"version</a:t>
-            </a:r>
-            <a:r>
-              <a:rPr lang="en-US" sz="1400" dirty="0"/>
-              <a:t>"},{"</a:t>
-            </a:r>
-            <a:r>
-              <a:rPr lang="en-US" sz="1400" dirty="0" err="1"/>
-              <a:t>type":"string","optional":false,"field":"connector</a:t>
-            </a:r>
-            <a:r>
-              <a:rPr lang="en-US" sz="1400" dirty="0"/>
-              <a:t>"},{"</a:t>
-            </a:r>
-            <a:r>
-              <a:rPr lang="en-US" sz="1400" dirty="0" err="1"/>
-              <a:t>type":"string","optional":false,"field":"name</a:t>
-            </a:r>
-            <a:r>
-              <a:rPr lang="en-US" sz="1400" dirty="0"/>
-              <a:t>"},{"type":"int64","optional":false,"field":"ts_ms"},{"type":"string","optional":true,"name":"io.debezium.data.Enum","version":1,"parameters":{"allowed":"</a:t>
-            </a:r>
-            <a:r>
-              <a:rPr lang="en-US" sz="1400" dirty="0" err="1"/>
-              <a:t>true,last,false</a:t>
-            </a:r>
-            <a:r>
-              <a:rPr lang="en-US" sz="1400" dirty="0"/>
-              <a:t>"},"</a:t>
-            </a:r>
-            <a:r>
-              <a:rPr lang="en-US" sz="1400" dirty="0" err="1"/>
-              <a:t>default":"false","field":"snapshot</a:t>
-            </a:r>
-            <a:r>
-              <a:rPr lang="en-US" sz="1400" dirty="0"/>
-              <a:t>"},{"type":"string","optional":false,"field":"</a:t>
-            </a:r>
-            <a:r>
-              <a:rPr lang="en-US" sz="1400" dirty="0" err="1"/>
-              <a:t>db</a:t>
-            </a:r>
-            <a:r>
-              <a:rPr lang="en-US" sz="1400" dirty="0"/>
-              <a:t>"},{"</a:t>
-            </a:r>
-            <a:r>
-              <a:rPr lang="en-US" sz="1400" dirty="0" err="1"/>
-              <a:t>type":"string","optional":false,"field":"schema</a:t>
-            </a:r>
-            <a:r>
-              <a:rPr lang="en-US" sz="1400" dirty="0"/>
-              <a:t>"},{"</a:t>
-            </a:r>
-            <a:r>
-              <a:rPr lang="en-US" sz="1400" dirty="0" err="1"/>
-              <a:t>type":"string","optional":false,"field":"table</a:t>
-            </a:r>
-            <a:r>
-              <a:rPr lang="en-US" sz="1400" dirty="0"/>
-              <a:t>"},{"type":"int64","optional":true,"field":"txId"},{"type":"int64","optional":true,"field":"lsn"},{"type":"int64","optional":true,"field":"xmin"}],"optional":false,"name":"io.debezium.connector.postgresql.Source","field":"source"},{"</a:t>
-            </a:r>
-            <a:r>
-              <a:rPr lang="en-US" sz="1400" dirty="0" err="1"/>
-              <a:t>type":"string","optional":false,"field":"op</a:t>
-            </a:r>
-            <a:r>
-              <a:rPr lang="en-US" sz="1400" dirty="0"/>
-              <a:t>"},{"type":"int64","optional":true,"field":"ts_ms"}],"optional":false,"name":"</a:t>
-            </a:r>
-            <a:r>
-              <a:rPr lang="en-US" sz="1400" dirty="0" err="1"/>
-              <a:t>localhost.public.users.Envelope</a:t>
-            </a:r>
-            <a:r>
-              <a:rPr lang="en-US" sz="1400" dirty="0"/>
-              <a:t>"},"payload":{"</a:t>
-            </a:r>
-            <a:r>
-              <a:rPr lang="en-US" sz="1400" dirty="0" err="1"/>
-              <a:t>before":null,"after</a:t>
-            </a:r>
-            <a:r>
-              <a:rPr lang="en-US" sz="1400" dirty="0"/>
-              <a:t>":{"user_id":1,"first_name":"first 1 </a:t>
-            </a:r>
-            <a:r>
-              <a:rPr lang="en-US" sz="1400" dirty="0" err="1"/>
-              <a:t>updated","last_name":"last</a:t>
-            </a:r>
-            <a:r>
-              <a:rPr lang="en-US" sz="1400" dirty="0"/>
-              <a:t> 1"},"source":{"version":"0.10.0.Final","connector":"postgresql","name":"localhost","ts_ms":1682650302911,"snapshot":"false","db":"postgres","schema":"public","table":"users","txId":945,"lsn":23764856,"xmin":null},</a:t>
-            </a:r>
-            <a:r>
-              <a:rPr lang="en-US" sz="1400" b="1" dirty="0">
-                <a:solidFill>
-                  <a:srgbClr val="FF0000"/>
-                </a:solidFill>
-              </a:rPr>
-              <a:t>"op":"u"</a:t>
-            </a:r>
-            <a:r>
-              <a:rPr lang="en-US" sz="1400" dirty="0"/>
-              <a:t>,"ts_ms":1682650302918}}, partition: 0</a:t>
-            </a:r>
-          </a:p>
-        </p:txBody>
-      </p:sp>
+        </p:spPr>
+      </p:pic>
     </p:spTree>
     <p:extLst>
       <p:ext uri="{BB962C8B-B14F-4D97-AF65-F5344CB8AC3E}">
-        <p14:creationId xmlns:p14="http://schemas.microsoft.com/office/powerpoint/2010/main" val="2728927555"/>
+        <p14:creationId xmlns:p14="http://schemas.microsoft.com/office/powerpoint/2010/main" val="951079640"/>
       </p:ext>
     </p:extLst>
   </p:cSld>
@@ -35313,12 +34883,8 @@
           <a:lstStyle/>
           <a:p>
             <a:r>
-              <a:rPr lang="en-US" dirty="0" err="1" smtClean="0"/>
-              <a:t>Debezium</a:t>
-            </a:r>
-            <a:r>
               <a:rPr lang="en-US" dirty="0" smtClean="0"/>
-              <a:t> CDC Delete Message Example</a:t>
+              <a:t>Context 2: CDC + Transform</a:t>
             </a:r>
             <a:endParaRPr lang="en-US" dirty="0"/>
           </a:p>
@@ -35333,7 +34899,7 @@
         <p:spPr>
           <a:xfrm>
             <a:off x="838200" y="1733384"/>
-            <a:ext cx="9995807" cy="4616648"/>
+            <a:ext cx="9995807" cy="3416320"/>
           </a:xfrm>
           <a:prstGeom prst="rect">
             <a:avLst/>
@@ -35347,233 +34913,218 @@
           <a:lstStyle/>
           <a:p>
             <a:r>
-              <a:rPr lang="en-US" sz="1400" dirty="0" err="1"/>
-              <a:t>rowtime</a:t>
-            </a:r>
-            <a:r>
-              <a:rPr lang="en-US" sz="1400" dirty="0"/>
-              <a:t>: 2023/04/28 02:52:01.387 Z, key: {"schema":{"type":"</a:t>
-            </a:r>
-            <a:r>
-              <a:rPr lang="en-US" sz="1400" dirty="0" err="1"/>
-              <a:t>struct</a:t>
-            </a:r>
-            <a:r>
-              <a:rPr lang="en-US" sz="1400" dirty="0"/>
-              <a:t>","fields":[{"type":"int32","optional":false,"field":"user_id"}],"optional":false,"name":"</a:t>
-            </a:r>
-            <a:r>
-              <a:rPr lang="en-US" sz="1400" dirty="0" err="1"/>
-              <a:t>localhost.public.users.Key</a:t>
-            </a:r>
-            <a:r>
-              <a:rPr lang="en-US" sz="1400" dirty="0"/>
-              <a:t>"},"payload":{"user_id":1}}, value: {"schema":{"type":"</a:t>
-            </a:r>
-            <a:r>
-              <a:rPr lang="en-US" sz="1400" dirty="0" err="1"/>
-              <a:t>struct</a:t>
-            </a:r>
-            <a:r>
-              <a:rPr lang="en-US" sz="1400" dirty="0"/>
-              <a:t>","fields":[{"type":"</a:t>
-            </a:r>
-            <a:r>
-              <a:rPr lang="en-US" sz="1400" dirty="0" err="1"/>
-              <a:t>struct</a:t>
-            </a:r>
-            <a:r>
-              <a:rPr lang="en-US" sz="1400" dirty="0"/>
-              <a:t>","fields":[{"type":"int32","optional":false,"field":"user_id"},{"type":"string","optional":true,"field":"</a:t>
-            </a:r>
-            <a:r>
-              <a:rPr lang="en-US" sz="1400" dirty="0" err="1"/>
+              <a:rPr lang="en-US" b="1" dirty="0" smtClean="0"/>
+              <a:t>Description:</a:t>
+            </a:r>
+            <a:endParaRPr lang="en-US" b="1" dirty="0"/>
+          </a:p>
+          <a:p>
+            <a:r>
+              <a:rPr lang="en-US" dirty="0"/>
+              <a:t>- We have a Users table (fields: </a:t>
+            </a:r>
+            <a:r>
+              <a:rPr lang="en-US" dirty="0" err="1"/>
+              <a:t>user_id</a:t>
+            </a:r>
+            <a:r>
+              <a:rPr lang="en-US" dirty="0"/>
+              <a:t>, </a:t>
+            </a:r>
+            <a:r>
+              <a:rPr lang="en-US" dirty="0" err="1"/>
               <a:t>first_name</a:t>
             </a:r>
             <a:r>
-              <a:rPr lang="en-US" sz="1400" dirty="0"/>
-              <a:t>"},{"type":"string","optional":true,"field":"</a:t>
-            </a:r>
-            <a:r>
-              <a:rPr lang="en-US" sz="1400" dirty="0" err="1"/>
+              <a:rPr lang="en-US" dirty="0"/>
+              <a:t>, </a:t>
+            </a:r>
+            <a:r>
+              <a:rPr lang="en-US" dirty="0" err="1"/>
               <a:t>last_name</a:t>
             </a:r>
             <a:r>
-              <a:rPr lang="en-US" sz="1400" dirty="0"/>
-              <a:t>"}],"optional":true,"name":"localhost.public.users.Value","field":"before"},{"type":"</a:t>
-            </a:r>
-            <a:r>
-              <a:rPr lang="en-US" sz="1400" dirty="0" err="1"/>
-              <a:t>struct</a:t>
-            </a:r>
-            <a:r>
-              <a:rPr lang="en-US" sz="1400" dirty="0"/>
-              <a:t>","fields":[{"type":"int32","optional":false,"field":"user_id"},{"type":"string","optional":true,"field":"</a:t>
-            </a:r>
-            <a:r>
-              <a:rPr lang="en-US" sz="1400" dirty="0" err="1"/>
-              <a:t>first_name</a:t>
-            </a:r>
-            <a:r>
-              <a:rPr lang="en-US" sz="1400" dirty="0"/>
-              <a:t>"},{"type":"string","optional":true,"field":"</a:t>
-            </a:r>
-            <a:r>
-              <a:rPr lang="en-US" sz="1400" dirty="0" err="1"/>
-              <a:t>last_name</a:t>
-            </a:r>
-            <a:r>
-              <a:rPr lang="en-US" sz="1400" dirty="0"/>
-              <a:t>"}],"optional":true,"name":"localhost.public.users.Value","field":"after"},{"type":"</a:t>
-            </a:r>
-            <a:r>
-              <a:rPr lang="en-US" sz="1400" dirty="0" err="1"/>
-              <a:t>struct</a:t>
-            </a:r>
-            <a:r>
-              <a:rPr lang="en-US" sz="1400" dirty="0"/>
-              <a:t>","fields":[{"</a:t>
-            </a:r>
-            <a:r>
-              <a:rPr lang="en-US" sz="1400" dirty="0" err="1"/>
-              <a:t>type":"string","optional":false,"field":"version</a:t>
-            </a:r>
-            <a:r>
-              <a:rPr lang="en-US" sz="1400" dirty="0"/>
-              <a:t>"},{"</a:t>
-            </a:r>
-            <a:r>
-              <a:rPr lang="en-US" sz="1400" dirty="0" err="1"/>
-              <a:t>type":"string","optional":false,"field":"connector</a:t>
-            </a:r>
-            <a:r>
-              <a:rPr lang="en-US" sz="1400" dirty="0"/>
-              <a:t>"},{"</a:t>
-            </a:r>
-            <a:r>
-              <a:rPr lang="en-US" sz="1400" dirty="0" err="1"/>
-              <a:t>type":"string","optional":false,"field":"name</a:t>
-            </a:r>
-            <a:r>
-              <a:rPr lang="en-US" sz="1400" dirty="0"/>
-              <a:t>"},{"type":"int64","optional":false,"field":"ts_ms"},{"type":"string","optional":true,"name":"io.debezium.data.Enum","version":1,"parameters":{"allowed":"</a:t>
-            </a:r>
-            <a:r>
-              <a:rPr lang="en-US" sz="1400" dirty="0" err="1"/>
-              <a:t>true,last,false</a:t>
-            </a:r>
-            <a:r>
-              <a:rPr lang="en-US" sz="1400" dirty="0"/>
-              <a:t>"},"</a:t>
-            </a:r>
-            <a:r>
-              <a:rPr lang="en-US" sz="1400" dirty="0" err="1"/>
-              <a:t>default":"false","field":"snapshot</a:t>
-            </a:r>
-            <a:r>
-              <a:rPr lang="en-US" sz="1400" dirty="0"/>
-              <a:t>"},{"type":"string","optional":false,"field":"</a:t>
-            </a:r>
-            <a:r>
-              <a:rPr lang="en-US" sz="1400" dirty="0" err="1"/>
-              <a:t>db</a:t>
-            </a:r>
-            <a:r>
-              <a:rPr lang="en-US" sz="1400" dirty="0"/>
-              <a:t>"},{"</a:t>
-            </a:r>
-            <a:r>
-              <a:rPr lang="en-US" sz="1400" dirty="0" err="1"/>
-              <a:t>type":"string","optional":false,"field":"schema</a:t>
-            </a:r>
-            <a:r>
-              <a:rPr lang="en-US" sz="1400" dirty="0"/>
-              <a:t>"},{"</a:t>
-            </a:r>
-            <a:r>
-              <a:rPr lang="en-US" sz="1400" dirty="0" err="1"/>
-              <a:t>type":"string","optional":false,"field":"table</a:t>
-            </a:r>
-            <a:r>
-              <a:rPr lang="en-US" sz="1400" dirty="0"/>
-              <a:t>"},{"type":"int64","optional":true,"field":"txId"},{"type":"int64","optional":true,"field":"lsn"},{"type":"int64","optional":true,"field":"xmin"}],"optional":false,"name":"io.debezium.connector.postgresql.Source","field":"source"},{"</a:t>
-            </a:r>
-            <a:r>
-              <a:rPr lang="en-US" sz="1400" dirty="0" err="1"/>
-              <a:t>type":"string","optional":false,"field":"op</a:t>
-            </a:r>
-            <a:r>
-              <a:rPr lang="en-US" sz="1400" dirty="0"/>
-              <a:t>"},{"type":"int64","optional":true,"field":"ts_ms"}],"optional":false,"name":"</a:t>
-            </a:r>
-            <a:r>
-              <a:rPr lang="en-US" sz="1400" dirty="0" err="1"/>
-              <a:t>localhost.public.users.Envelope</a:t>
-            </a:r>
-            <a:r>
-              <a:rPr lang="en-US" sz="1400" dirty="0"/>
-              <a:t>"},"payload":{"before":{"user_id":1,"first_name":null,"last_name":null},"</a:t>
-            </a:r>
-            <a:r>
-              <a:rPr lang="en-US" sz="1400" dirty="0" err="1"/>
-              <a:t>after":null,"source</a:t>
-            </a:r>
-            <a:r>
-              <a:rPr lang="en-US" sz="1400" dirty="0"/>
-              <a:t>":{"version":"0.10.0.Final","connector":"postgresql","name":"localhost","ts_ms":1682650321295,"snapshot":"false","db":"postgres","schema":"public","table":"users","txId":946,"lsn":23765080,"xmin":null},</a:t>
-            </a:r>
-            <a:r>
-              <a:rPr lang="en-US" sz="1400" b="1" dirty="0">
-                <a:solidFill>
-                  <a:srgbClr val="FF0000"/>
-                </a:solidFill>
-              </a:rPr>
-              <a:t>"op":"d"</a:t>
-            </a:r>
-            <a:r>
-              <a:rPr lang="en-US" sz="1400" dirty="0"/>
-              <a:t>,"ts_ms":1682650321302}}, partition: 0</a:t>
-            </a:r>
-          </a:p>
-          <a:p>
-            <a:endParaRPr lang="en-US" sz="1400" dirty="0"/>
-          </a:p>
-          <a:p>
-            <a:r>
-              <a:rPr lang="en-US" sz="1400" dirty="0" err="1"/>
-              <a:t>rowtime</a:t>
-            </a:r>
-            <a:r>
-              <a:rPr lang="en-US" sz="1400" dirty="0"/>
-              <a:t>: 2023/04/28 02:52:01.388 Z, key: {"schema":{"type":"</a:t>
-            </a:r>
-            <a:r>
-              <a:rPr lang="en-US" sz="1400" dirty="0" err="1"/>
-              <a:t>struct</a:t>
-            </a:r>
-            <a:r>
-              <a:rPr lang="en-US" sz="1400" dirty="0"/>
-              <a:t>","fields":[{"type":"int32","optional":false,"field":"user_id"}],"optional":false,"name":"</a:t>
-            </a:r>
-            <a:r>
-              <a:rPr lang="en-US" sz="1400" dirty="0" err="1"/>
-              <a:t>localhost.public.users.Key</a:t>
-            </a:r>
-            <a:r>
-              <a:rPr lang="en-US" sz="1400" dirty="0"/>
-              <a:t>"},"payload":{"user_id":1}}, </a:t>
-            </a:r>
-            <a:r>
-              <a:rPr lang="en-US" sz="1400" b="1" dirty="0">
-                <a:solidFill>
-                  <a:srgbClr val="FF0000"/>
-                </a:solidFill>
-              </a:rPr>
-              <a:t>value: &lt;null&gt;</a:t>
-            </a:r>
-            <a:r>
-              <a:rPr lang="en-US" sz="1400" dirty="0"/>
-              <a:t>, partition: 0</a:t>
+              <a:rPr lang="en-US" dirty="0"/>
+              <a:t>) in a source PostgreSQL database.</a:t>
+            </a:r>
+          </a:p>
+          <a:p>
+            <a:r>
+              <a:rPr lang="en-US" dirty="0"/>
+              <a:t>- We have a Wages table (fields: </a:t>
+            </a:r>
+            <a:r>
+              <a:rPr lang="en-US" dirty="0" err="1"/>
+              <a:t>user_id</a:t>
+            </a:r>
+            <a:r>
+              <a:rPr lang="en-US" dirty="0"/>
+              <a:t>, wage) in </a:t>
+            </a:r>
+            <a:r>
+              <a:rPr lang="en-US" dirty="0" smtClean="0"/>
+              <a:t>another </a:t>
+            </a:r>
+            <a:r>
+              <a:rPr lang="en-US" dirty="0" err="1"/>
+              <a:t>soure</a:t>
+            </a:r>
+            <a:r>
+              <a:rPr lang="en-US" dirty="0"/>
+              <a:t> PostgreSQL database.</a:t>
+            </a:r>
+          </a:p>
+          <a:p>
+            <a:r>
+              <a:rPr lang="en-US" dirty="0"/>
+              <a:t>- We have a </a:t>
+            </a:r>
+            <a:r>
+              <a:rPr lang="en-US" dirty="0" err="1"/>
+              <a:t>User_Wages</a:t>
+            </a:r>
+            <a:r>
+              <a:rPr lang="en-US" dirty="0"/>
+              <a:t> table (fields: </a:t>
+            </a:r>
+            <a:r>
+              <a:rPr lang="en-US" dirty="0" err="1"/>
+              <a:t>user_id</a:t>
+            </a:r>
+            <a:r>
+              <a:rPr lang="en-US" dirty="0"/>
+              <a:t>, </a:t>
+            </a:r>
+            <a:r>
+              <a:rPr lang="en-US" dirty="0" err="1"/>
+              <a:t>full_name</a:t>
+            </a:r>
+            <a:r>
+              <a:rPr lang="en-US" dirty="0"/>
+              <a:t>, wage) in a sink PostgreSQL database.</a:t>
+            </a:r>
+          </a:p>
+          <a:p>
+            <a:r>
+              <a:rPr lang="en-US" dirty="0"/>
+              <a:t>- We want to synchronize the Change Data Capture (CDC) to the table </a:t>
+            </a:r>
+            <a:r>
+              <a:rPr lang="en-US" dirty="0" err="1"/>
+              <a:t>User_Wages</a:t>
+            </a:r>
+            <a:r>
+              <a:rPr lang="en-US" dirty="0"/>
+              <a:t> in a sink PostgreSQL database when the tables Users and Wages are inserted, updated, or deleted in the source PostgreSQL database.</a:t>
+            </a:r>
+          </a:p>
+          <a:p>
+            <a:r>
+              <a:rPr lang="en-US" dirty="0"/>
+              <a:t>- This </a:t>
+            </a:r>
+            <a:r>
+              <a:rPr lang="en-US" dirty="0" err="1"/>
+              <a:t>synchonization</a:t>
+            </a:r>
+            <a:r>
+              <a:rPr lang="en-US" dirty="0"/>
+              <a:t> includes the data </a:t>
+            </a:r>
+            <a:r>
+              <a:rPr lang="en-US" dirty="0" err="1"/>
+              <a:t>tranforming</a:t>
+            </a:r>
+            <a:r>
+              <a:rPr lang="en-US" dirty="0"/>
+              <a:t> as following:</a:t>
+            </a:r>
+          </a:p>
+          <a:p>
+            <a:r>
+              <a:rPr lang="en-US" dirty="0"/>
+              <a:t>+ </a:t>
+            </a:r>
+            <a:r>
+              <a:rPr lang="en-US" dirty="0" err="1"/>
+              <a:t>User_Wages.user_id</a:t>
+            </a:r>
+            <a:r>
+              <a:rPr lang="en-US" dirty="0"/>
+              <a:t> = </a:t>
+            </a:r>
+            <a:r>
+              <a:rPr lang="en-US" dirty="0" err="1"/>
+              <a:t>Users.user_id</a:t>
+            </a:r>
+            <a:endParaRPr lang="en-US" dirty="0"/>
+          </a:p>
+          <a:p>
+            <a:r>
+              <a:rPr lang="en-US" dirty="0"/>
+              <a:t>+ </a:t>
+            </a:r>
+            <a:r>
+              <a:rPr lang="en-US" dirty="0" err="1"/>
+              <a:t>User_Wages.full_name</a:t>
+            </a:r>
+            <a:r>
+              <a:rPr lang="en-US" dirty="0"/>
+              <a:t> = </a:t>
+            </a:r>
+            <a:r>
+              <a:rPr lang="en-US" dirty="0" err="1"/>
+              <a:t>Users.first_name</a:t>
+            </a:r>
+            <a:r>
+              <a:rPr lang="en-US" dirty="0"/>
+              <a:t> + ' ' + </a:t>
+            </a:r>
+            <a:r>
+              <a:rPr lang="en-US" dirty="0" err="1"/>
+              <a:t>Users.last_name</a:t>
+            </a:r>
+            <a:endParaRPr lang="en-US" dirty="0"/>
+          </a:p>
+          <a:p>
+            <a:r>
+              <a:rPr lang="en-US" dirty="0"/>
+              <a:t>+ </a:t>
+            </a:r>
+            <a:r>
+              <a:rPr lang="en-US" dirty="0" err="1"/>
+              <a:t>User_Wages.wage</a:t>
+            </a:r>
+            <a:r>
+              <a:rPr lang="en-US" dirty="0"/>
+              <a:t> = </a:t>
+            </a:r>
+            <a:r>
+              <a:rPr lang="en-US" dirty="0" err="1"/>
+              <a:t>Wages.wage</a:t>
+            </a:r>
+            <a:endParaRPr lang="en-US" dirty="0"/>
+          </a:p>
+          <a:p>
+            <a:r>
+              <a:rPr lang="en-US" dirty="0"/>
+              <a:t>- We expect this </a:t>
+            </a:r>
+            <a:r>
+              <a:rPr lang="en-US" dirty="0" err="1"/>
+              <a:t>synchonization</a:t>
+            </a:r>
+            <a:r>
+              <a:rPr lang="en-US" dirty="0"/>
+              <a:t> </a:t>
+            </a:r>
+            <a:r>
+              <a:rPr lang="en-US" dirty="0" err="1"/>
+              <a:t>happenning</a:t>
+            </a:r>
+            <a:r>
+              <a:rPr lang="en-US" dirty="0"/>
+              <a:t> in near-real-time.</a:t>
             </a:r>
           </a:p>
         </p:txBody>
@@ -35581,7 +35132,7 @@
     </p:spTree>
     <p:extLst>
       <p:ext uri="{BB962C8B-B14F-4D97-AF65-F5344CB8AC3E}">
-        <p14:creationId xmlns:p14="http://schemas.microsoft.com/office/powerpoint/2010/main" val="932844004"/>
+        <p14:creationId xmlns:p14="http://schemas.microsoft.com/office/powerpoint/2010/main" val="1100898731"/>
       </p:ext>
     </p:extLst>
   </p:cSld>
@@ -35592,1090 +35143,6 @@
 </file>
 
 <file path=ppt/slides/slide17.xml><?xml version="1.0" encoding="utf-8"?>
-<p:sld xmlns:a="http://schemas.openxmlformats.org/drawingml/2006/main" xmlns:r="http://schemas.openxmlformats.org/officeDocument/2006/relationships" xmlns:p="http://schemas.openxmlformats.org/presentationml/2006/main">
-  <p:cSld>
-    <p:spTree>
-      <p:nvGrpSpPr>
-        <p:cNvPr id="1" name=""/>
-        <p:cNvGrpSpPr/>
-        <p:nvPr/>
-      </p:nvGrpSpPr>
-      <p:grpSpPr>
-        <a:xfrm>
-          <a:off x="0" y="0"/>
-          <a:ext cx="0" cy="0"/>
-          <a:chOff x="0" y="0"/>
-          <a:chExt cx="0" cy="0"/>
-        </a:xfrm>
-      </p:grpSpPr>
-      <p:sp>
-        <p:nvSpPr>
-          <p:cNvPr id="3" name="Title 2"/>
-          <p:cNvSpPr>
-            <a:spLocks noGrp="1"/>
-          </p:cNvSpPr>
-          <p:nvPr>
-            <p:ph type="title"/>
-          </p:nvPr>
-        </p:nvSpPr>
-        <p:spPr/>
-        <p:txBody>
-          <a:bodyPr/>
-          <a:lstStyle/>
-          <a:p>
-            <a:r>
-              <a:rPr lang="en-US" dirty="0" smtClean="0"/>
-              <a:t>Concepts: </a:t>
-            </a:r>
-            <a:r>
-              <a:rPr lang="en-US" dirty="0"/>
-              <a:t>K</a:t>
-            </a:r>
-            <a:r>
-              <a:rPr lang="en-US" dirty="0" smtClean="0"/>
-              <a:t>SQL</a:t>
-            </a:r>
-            <a:endParaRPr lang="en-US" dirty="0"/>
-          </a:p>
-        </p:txBody>
-      </p:sp>
-      <p:sp>
-        <p:nvSpPr>
-          <p:cNvPr id="2" name="TextBox 1"/>
-          <p:cNvSpPr txBox="1"/>
-          <p:nvPr/>
-        </p:nvSpPr>
-        <p:spPr>
-          <a:xfrm>
-            <a:off x="838200" y="1733384"/>
-            <a:ext cx="9995807" cy="4801314"/>
-          </a:xfrm>
-          <a:prstGeom prst="rect">
-            <a:avLst/>
-          </a:prstGeom>
-          <a:noFill/>
-        </p:spPr>
-        <p:txBody>
-          <a:bodyPr wrap="square" rtlCol="0">
-            <a:spAutoFit/>
-          </a:bodyPr>
-          <a:lstStyle/>
-          <a:p>
-            <a:r>
-              <a:rPr lang="en-US" b="1" dirty="0"/>
-              <a:t>KSQL </a:t>
-            </a:r>
-            <a:r>
-              <a:rPr lang="en-US" dirty="0"/>
-              <a:t>is an open source streaming SQL engine for Apache Kafka. It provides a simple and completely interactive SQL interface for stream processing on Kafka; no need to write code in a programming language such as Java or Python. KSQL is open-source (Apache 2.0 licensed), distributed, scalable, reliable, and real-time</a:t>
-            </a:r>
-            <a:r>
-              <a:rPr lang="en-US" dirty="0" smtClean="0"/>
-              <a:t>.</a:t>
-            </a:r>
-          </a:p>
-          <a:p>
-            <a:endParaRPr lang="en-US" dirty="0"/>
-          </a:p>
-          <a:p>
-            <a:r>
-              <a:rPr lang="en-US" dirty="0"/>
-              <a:t>A </a:t>
-            </a:r>
-            <a:r>
-              <a:rPr lang="en-US" b="1" dirty="0"/>
-              <a:t>stream</a:t>
-            </a:r>
-            <a:r>
-              <a:rPr lang="en-US" dirty="0"/>
-              <a:t> is a partitioned, immutable, append-only collection that represents a series of historical facts.</a:t>
-            </a:r>
-          </a:p>
-          <a:p>
-            <a:endParaRPr lang="en-US" dirty="0"/>
-          </a:p>
-          <a:p>
-            <a:r>
-              <a:rPr lang="en-US" dirty="0"/>
-              <a:t>A </a:t>
-            </a:r>
-            <a:r>
-              <a:rPr lang="en-US" b="1" dirty="0"/>
-              <a:t>pull query</a:t>
-            </a:r>
-            <a:r>
-              <a:rPr lang="en-US" dirty="0"/>
-              <a:t> is a form of query issued by a client that retrieves a result as of "now", like a query against a traditional RDBMS.</a:t>
-            </a:r>
-          </a:p>
-          <a:p>
-            <a:endParaRPr lang="en-US" dirty="0"/>
-          </a:p>
-          <a:p>
-            <a:r>
-              <a:rPr lang="en-US" dirty="0"/>
-              <a:t>A </a:t>
-            </a:r>
-            <a:r>
-              <a:rPr lang="en-US" b="1" dirty="0"/>
-              <a:t>push query</a:t>
-            </a:r>
-            <a:r>
-              <a:rPr lang="en-US" dirty="0"/>
-              <a:t> is a form of query issued by a client that subscribes to a result as it changes in real-time.</a:t>
-            </a:r>
-          </a:p>
-          <a:p>
-            <a:endParaRPr lang="en-US" dirty="0"/>
-          </a:p>
-          <a:p>
-            <a:r>
-              <a:rPr lang="en-US" b="1" dirty="0"/>
-              <a:t>References:</a:t>
-            </a:r>
-          </a:p>
-          <a:p>
-            <a:r>
-              <a:rPr lang="en-US" dirty="0">
-                <a:hlinkClick r:id="rId2"/>
-              </a:rPr>
-              <a:t>https://</a:t>
-            </a:r>
-            <a:r>
-              <a:rPr lang="en-US" dirty="0" smtClean="0">
-                <a:hlinkClick r:id="rId2"/>
-              </a:rPr>
-              <a:t>stackshare.io/ksql</a:t>
-            </a:r>
-            <a:endParaRPr lang="en-US" dirty="0" smtClean="0"/>
-          </a:p>
-          <a:p>
-            <a:r>
-              <a:rPr lang="en-US" dirty="0" smtClean="0">
-                <a:hlinkClick r:id="rId3"/>
-              </a:rPr>
-              <a:t>https</a:t>
-            </a:r>
-            <a:r>
-              <a:rPr lang="en-US" dirty="0">
-                <a:hlinkClick r:id="rId3"/>
-              </a:rPr>
-              <a:t>://docs.ksqldb.io/en/latest/concepts/streams</a:t>
-            </a:r>
-            <a:r>
-              <a:rPr lang="en-US" dirty="0" smtClean="0">
-                <a:hlinkClick r:id="rId3"/>
-              </a:rPr>
-              <a:t>/</a:t>
-            </a:r>
-            <a:endParaRPr lang="en-US" dirty="0" smtClean="0"/>
-          </a:p>
-          <a:p>
-            <a:r>
-              <a:rPr lang="en-US" dirty="0" smtClean="0">
-                <a:hlinkClick r:id="rId4"/>
-              </a:rPr>
-              <a:t>https</a:t>
-            </a:r>
-            <a:r>
-              <a:rPr lang="en-US" dirty="0">
-                <a:hlinkClick r:id="rId4"/>
-              </a:rPr>
-              <a:t>://docs.ksqldb.io/en/latest/concepts/queries</a:t>
-            </a:r>
-            <a:r>
-              <a:rPr lang="en-US" dirty="0" smtClean="0">
-                <a:hlinkClick r:id="rId4"/>
-              </a:rPr>
-              <a:t>/</a:t>
-            </a:r>
-            <a:endParaRPr lang="en-US" dirty="0" smtClean="0"/>
-          </a:p>
-          <a:p>
-            <a:endParaRPr lang="en-US" dirty="0"/>
-          </a:p>
-        </p:txBody>
-      </p:sp>
-    </p:spTree>
-    <p:extLst>
-      <p:ext uri="{BB962C8B-B14F-4D97-AF65-F5344CB8AC3E}">
-        <p14:creationId xmlns:p14="http://schemas.microsoft.com/office/powerpoint/2010/main" val="3682480425"/>
-      </p:ext>
-    </p:extLst>
-  </p:cSld>
-  <p:clrMapOvr>
-    <a:masterClrMapping/>
-  </p:clrMapOvr>
-</p:sld>
-</file>
-
-<file path=ppt/slides/slide18.xml><?xml version="1.0" encoding="utf-8"?>
-<p:sld xmlns:a="http://schemas.openxmlformats.org/drawingml/2006/main" xmlns:r="http://schemas.openxmlformats.org/officeDocument/2006/relationships" xmlns:p="http://schemas.openxmlformats.org/presentationml/2006/main">
-  <p:cSld>
-    <p:spTree>
-      <p:nvGrpSpPr>
-        <p:cNvPr id="1" name=""/>
-        <p:cNvGrpSpPr/>
-        <p:nvPr/>
-      </p:nvGrpSpPr>
-      <p:grpSpPr>
-        <a:xfrm>
-          <a:off x="0" y="0"/>
-          <a:ext cx="0" cy="0"/>
-          <a:chOff x="0" y="0"/>
-          <a:chExt cx="0" cy="0"/>
-        </a:xfrm>
-      </p:grpSpPr>
-      <p:sp>
-        <p:nvSpPr>
-          <p:cNvPr id="3" name="Title 2"/>
-          <p:cNvSpPr>
-            <a:spLocks noGrp="1"/>
-          </p:cNvSpPr>
-          <p:nvPr>
-            <p:ph type="title"/>
-          </p:nvPr>
-        </p:nvSpPr>
-        <p:spPr/>
-        <p:txBody>
-          <a:bodyPr/>
-          <a:lstStyle/>
-          <a:p>
-            <a:r>
-              <a:rPr lang="en-US" dirty="0" smtClean="0"/>
-              <a:t>Pros and Cons: Apache Kafka</a:t>
-            </a:r>
-            <a:endParaRPr lang="en-US" dirty="0"/>
-          </a:p>
-        </p:txBody>
-      </p:sp>
-      <p:sp>
-        <p:nvSpPr>
-          <p:cNvPr id="2" name="TextBox 1"/>
-          <p:cNvSpPr txBox="1"/>
-          <p:nvPr/>
-        </p:nvSpPr>
-        <p:spPr>
-          <a:xfrm>
-            <a:off x="726882" y="5430740"/>
-            <a:ext cx="9995807" cy="923330"/>
-          </a:xfrm>
-          <a:prstGeom prst="rect">
-            <a:avLst/>
-          </a:prstGeom>
-          <a:noFill/>
-        </p:spPr>
-        <p:txBody>
-          <a:bodyPr wrap="square" rtlCol="0">
-            <a:spAutoFit/>
-          </a:bodyPr>
-          <a:lstStyle/>
-          <a:p>
-            <a:r>
-              <a:rPr lang="en-US" b="1" dirty="0" smtClean="0"/>
-              <a:t>References</a:t>
-            </a:r>
-            <a:r>
-              <a:rPr lang="en-US" b="1" dirty="0"/>
-              <a:t>:</a:t>
-            </a:r>
-          </a:p>
-          <a:p>
-            <a:r>
-              <a:rPr lang="en-US" dirty="0">
-                <a:hlinkClick r:id="rId2"/>
-              </a:rPr>
-              <a:t>https://</a:t>
-            </a:r>
-            <a:r>
-              <a:rPr lang="en-US" dirty="0" smtClean="0">
-                <a:hlinkClick r:id="rId2"/>
-              </a:rPr>
-              <a:t>www.javatpoint.com/apache-kafka-advantages-and-disadvantages</a:t>
-            </a:r>
-            <a:endParaRPr lang="en-US" dirty="0" smtClean="0"/>
-          </a:p>
-          <a:p>
-            <a:endParaRPr lang="en-US" dirty="0"/>
-          </a:p>
-        </p:txBody>
-      </p:sp>
-      <p:graphicFrame>
-        <p:nvGraphicFramePr>
-          <p:cNvPr id="4" name="Table 3"/>
-          <p:cNvGraphicFramePr>
-            <a:graphicFrameLocks noGrp="1"/>
-          </p:cNvGraphicFramePr>
-          <p:nvPr>
-            <p:extLst>
-              <p:ext uri="{D42A27DB-BD31-4B8C-83A1-F6EECF244321}">
-                <p14:modId xmlns:p14="http://schemas.microsoft.com/office/powerpoint/2010/main" val="2586711293"/>
-              </p:ext>
-            </p:extLst>
-          </p:nvPr>
-        </p:nvGraphicFramePr>
-        <p:xfrm>
-          <a:off x="838198" y="1228548"/>
-          <a:ext cx="10285676" cy="3868237"/>
-        </p:xfrm>
-        <a:graphic>
-          <a:graphicData uri="http://schemas.openxmlformats.org/drawingml/2006/table">
-            <a:tbl>
-              <a:tblPr firstRow="1" bandRow="1">
-                <a:tableStyleId>{5C22544A-7EE6-4342-B048-85BDC9FD1C3A}</a:tableStyleId>
-              </a:tblPr>
-              <a:tblGrid>
-                <a:gridCol w="5142838">
-                  <a:extLst>
-                    <a:ext uri="{9D8B030D-6E8A-4147-A177-3AD203B41FA5}">
-                      <a16:colId xmlns:a16="http://schemas.microsoft.com/office/drawing/2014/main" val="3741738431"/>
-                    </a:ext>
-                  </a:extLst>
-                </a:gridCol>
-                <a:gridCol w="5142838">
-                  <a:extLst>
-                    <a:ext uri="{9D8B030D-6E8A-4147-A177-3AD203B41FA5}">
-                      <a16:colId xmlns:a16="http://schemas.microsoft.com/office/drawing/2014/main" val="4032477734"/>
-                    </a:ext>
-                  </a:extLst>
-                </a:gridCol>
-              </a:tblGrid>
-              <a:tr h="439403">
-                <a:tc>
-                  <a:txBody>
-                    <a:bodyPr/>
-                    <a:lstStyle/>
-                    <a:p>
-                      <a:pPr algn="ctr"/>
-                      <a:r>
-                        <a:rPr lang="en-US" dirty="0" smtClean="0"/>
-                        <a:t>Pros</a:t>
-                      </a:r>
-                      <a:endParaRPr lang="en-US" dirty="0"/>
-                    </a:p>
-                  </a:txBody>
-                  <a:tcPr/>
-                </a:tc>
-                <a:tc>
-                  <a:txBody>
-                    <a:bodyPr/>
-                    <a:lstStyle/>
-                    <a:p>
-                      <a:pPr algn="ctr"/>
-                      <a:r>
-                        <a:rPr lang="en-US" dirty="0" smtClean="0"/>
-                        <a:t>Cons</a:t>
-                      </a:r>
-                      <a:endParaRPr lang="en-US" dirty="0"/>
-                    </a:p>
-                  </a:txBody>
-                  <a:tcPr/>
-                </a:tc>
-                <a:extLst>
-                  <a:ext uri="{0D108BD9-81ED-4DB2-BD59-A6C34878D82A}">
-                    <a16:rowId xmlns:a16="http://schemas.microsoft.com/office/drawing/2014/main" val="813999271"/>
-                  </a:ext>
-                </a:extLst>
-              </a:tr>
-              <a:tr h="3428834">
-                <a:tc>
-                  <a:txBody>
-                    <a:bodyPr/>
-                    <a:lstStyle/>
-                    <a:p>
-                      <a:r>
-                        <a:rPr lang="en-US" dirty="0" smtClean="0"/>
-                        <a:t>Low Latency</a:t>
-                      </a:r>
-                    </a:p>
-                    <a:p>
-                      <a:r>
-                        <a:rPr lang="en-US" dirty="0" smtClean="0"/>
-                        <a:t>High Throughput</a:t>
-                      </a:r>
-                    </a:p>
-                    <a:p>
-                      <a:r>
-                        <a:rPr lang="en-US" dirty="0" smtClean="0"/>
-                        <a:t>Fault tolerance</a:t>
-                      </a:r>
-                    </a:p>
-                    <a:p>
-                      <a:r>
-                        <a:rPr lang="en-US" dirty="0" smtClean="0"/>
-                        <a:t>Durability</a:t>
-                      </a:r>
-                    </a:p>
-                    <a:p>
-                      <a:r>
-                        <a:rPr lang="en-US" dirty="0" smtClean="0"/>
-                        <a:t>Reduces the need for multiple integrations</a:t>
-                      </a:r>
-                    </a:p>
-                    <a:p>
-                      <a:r>
-                        <a:rPr lang="en-US" dirty="0" smtClean="0"/>
-                        <a:t>Easily accessible</a:t>
-                      </a:r>
-                    </a:p>
-                    <a:p>
-                      <a:r>
-                        <a:rPr lang="en-US" dirty="0" smtClean="0"/>
-                        <a:t>Distributed System</a:t>
-                      </a:r>
-                    </a:p>
-                    <a:p>
-                      <a:r>
-                        <a:rPr lang="en-US" dirty="0" smtClean="0"/>
-                        <a:t>Real-Time handling</a:t>
-                      </a:r>
-                    </a:p>
-                    <a:p>
-                      <a:r>
-                        <a:rPr lang="en-US" dirty="0" smtClean="0"/>
-                        <a:t>Batch approach</a:t>
-                      </a:r>
-                    </a:p>
-                    <a:p>
-                      <a:r>
-                        <a:rPr lang="en-US" dirty="0" smtClean="0"/>
-                        <a:t>Scalability</a:t>
-                      </a:r>
-                      <a:endParaRPr lang="en-US" dirty="0"/>
-                    </a:p>
-                  </a:txBody>
-                  <a:tcPr/>
-                </a:tc>
-                <a:tc>
-                  <a:txBody>
-                    <a:bodyPr/>
-                    <a:lstStyle/>
-                    <a:p>
-                      <a:r>
-                        <a:rPr lang="en-US" dirty="0" smtClean="0"/>
-                        <a:t>Do not have complete set of monitoring tools</a:t>
-                      </a:r>
-                    </a:p>
-                    <a:p>
-                      <a:r>
-                        <a:rPr lang="en-US" dirty="0" smtClean="0"/>
-                        <a:t>Message tweaking issues</a:t>
-                      </a:r>
-                    </a:p>
-                    <a:p>
-                      <a:r>
-                        <a:rPr lang="en-US" dirty="0" smtClean="0"/>
-                        <a:t>Do not support wildcard topic selection</a:t>
-                      </a:r>
-                    </a:p>
-                    <a:p>
-                      <a:r>
-                        <a:rPr lang="en-US" dirty="0" smtClean="0"/>
-                        <a:t>Reduces Performance</a:t>
-                      </a:r>
-                    </a:p>
-                    <a:p>
-                      <a:r>
-                        <a:rPr lang="en-US" dirty="0" smtClean="0"/>
-                        <a:t>Clumsy </a:t>
-                      </a:r>
-                      <a:r>
-                        <a:rPr lang="en-US" dirty="0" err="1" smtClean="0"/>
-                        <a:t>Behaviour</a:t>
-                      </a:r>
-                      <a:endParaRPr lang="en-US" dirty="0" smtClean="0"/>
-                    </a:p>
-                    <a:p>
-                      <a:r>
-                        <a:rPr lang="en-US" dirty="0" smtClean="0"/>
-                        <a:t>Lack some message paradigms</a:t>
-                      </a:r>
-                      <a:endParaRPr lang="en-US" dirty="0"/>
-                    </a:p>
-                  </a:txBody>
-                  <a:tcPr/>
-                </a:tc>
-                <a:extLst>
-                  <a:ext uri="{0D108BD9-81ED-4DB2-BD59-A6C34878D82A}">
-                    <a16:rowId xmlns:a16="http://schemas.microsoft.com/office/drawing/2014/main" val="3436980087"/>
-                  </a:ext>
-                </a:extLst>
-              </a:tr>
-            </a:tbl>
-          </a:graphicData>
-        </a:graphic>
-      </p:graphicFrame>
-    </p:spTree>
-    <p:extLst>
-      <p:ext uri="{BB962C8B-B14F-4D97-AF65-F5344CB8AC3E}">
-        <p14:creationId xmlns:p14="http://schemas.microsoft.com/office/powerpoint/2010/main" val="2326502029"/>
-      </p:ext>
-    </p:extLst>
-  </p:cSld>
-  <p:clrMapOvr>
-    <a:masterClrMapping/>
-  </p:clrMapOvr>
-</p:sld>
-</file>
-
-<file path=ppt/slides/slide19.xml><?xml version="1.0" encoding="utf-8"?>
-<p:sld xmlns:a="http://schemas.openxmlformats.org/drawingml/2006/main" xmlns:r="http://schemas.openxmlformats.org/officeDocument/2006/relationships" xmlns:p="http://schemas.openxmlformats.org/presentationml/2006/main">
-  <p:cSld>
-    <p:spTree>
-      <p:nvGrpSpPr>
-        <p:cNvPr id="1" name=""/>
-        <p:cNvGrpSpPr/>
-        <p:nvPr/>
-      </p:nvGrpSpPr>
-      <p:grpSpPr>
-        <a:xfrm>
-          <a:off x="0" y="0"/>
-          <a:ext cx="0" cy="0"/>
-          <a:chOff x="0" y="0"/>
-          <a:chExt cx="0" cy="0"/>
-        </a:xfrm>
-      </p:grpSpPr>
-      <p:sp>
-        <p:nvSpPr>
-          <p:cNvPr id="3" name="Title 2"/>
-          <p:cNvSpPr>
-            <a:spLocks noGrp="1"/>
-          </p:cNvSpPr>
-          <p:nvPr>
-            <p:ph type="title"/>
-          </p:nvPr>
-        </p:nvSpPr>
-        <p:spPr/>
-        <p:txBody>
-          <a:bodyPr/>
-          <a:lstStyle/>
-          <a:p>
-            <a:r>
-              <a:rPr lang="en-US" dirty="0" smtClean="0"/>
-              <a:t>Pros and Cons: </a:t>
-            </a:r>
-            <a:r>
-              <a:rPr lang="en-US" dirty="0" err="1" smtClean="0"/>
-              <a:t>Debezium</a:t>
-            </a:r>
-            <a:endParaRPr lang="en-US" dirty="0"/>
-          </a:p>
-        </p:txBody>
-      </p:sp>
-      <p:sp>
-        <p:nvSpPr>
-          <p:cNvPr id="2" name="TextBox 1"/>
-          <p:cNvSpPr txBox="1"/>
-          <p:nvPr/>
-        </p:nvSpPr>
-        <p:spPr>
-          <a:xfrm>
-            <a:off x="726882" y="5430740"/>
-            <a:ext cx="9995807" cy="923330"/>
-          </a:xfrm>
-          <a:prstGeom prst="rect">
-            <a:avLst/>
-          </a:prstGeom>
-          <a:noFill/>
-        </p:spPr>
-        <p:txBody>
-          <a:bodyPr wrap="square" rtlCol="0">
-            <a:spAutoFit/>
-          </a:bodyPr>
-          <a:lstStyle/>
-          <a:p>
-            <a:r>
-              <a:rPr lang="en-US" b="1" dirty="0" smtClean="0"/>
-              <a:t>References</a:t>
-            </a:r>
-            <a:r>
-              <a:rPr lang="en-US" b="1" dirty="0"/>
-              <a:t>:</a:t>
-            </a:r>
-          </a:p>
-          <a:p>
-            <a:r>
-              <a:rPr lang="en-US" dirty="0">
-                <a:hlinkClick r:id="rId2"/>
-              </a:rPr>
-              <a:t>https://</a:t>
-            </a:r>
-            <a:r>
-              <a:rPr lang="en-US" dirty="0" smtClean="0">
-                <a:hlinkClick r:id="rId2"/>
-              </a:rPr>
-              <a:t>www.arcion.io/blog/cdc-tools</a:t>
-            </a:r>
-            <a:endParaRPr lang="en-US" dirty="0" smtClean="0"/>
-          </a:p>
-          <a:p>
-            <a:endParaRPr lang="en-US" dirty="0"/>
-          </a:p>
-        </p:txBody>
-      </p:sp>
-      <p:graphicFrame>
-        <p:nvGraphicFramePr>
-          <p:cNvPr id="4" name="Table 3"/>
-          <p:cNvGraphicFramePr>
-            <a:graphicFrameLocks noGrp="1"/>
-          </p:cNvGraphicFramePr>
-          <p:nvPr>
-            <p:extLst>
-              <p:ext uri="{D42A27DB-BD31-4B8C-83A1-F6EECF244321}">
-                <p14:modId xmlns:p14="http://schemas.microsoft.com/office/powerpoint/2010/main" val="1128413588"/>
-              </p:ext>
-            </p:extLst>
-          </p:nvPr>
-        </p:nvGraphicFramePr>
-        <p:xfrm>
-          <a:off x="838198" y="1228548"/>
-          <a:ext cx="10285676" cy="3868237"/>
-        </p:xfrm>
-        <a:graphic>
-          <a:graphicData uri="http://schemas.openxmlformats.org/drawingml/2006/table">
-            <a:tbl>
-              <a:tblPr firstRow="1" bandRow="1">
-                <a:tableStyleId>{5C22544A-7EE6-4342-B048-85BDC9FD1C3A}</a:tableStyleId>
-              </a:tblPr>
-              <a:tblGrid>
-                <a:gridCol w="5142838">
-                  <a:extLst>
-                    <a:ext uri="{9D8B030D-6E8A-4147-A177-3AD203B41FA5}">
-                      <a16:colId xmlns:a16="http://schemas.microsoft.com/office/drawing/2014/main" val="3741738431"/>
-                    </a:ext>
-                  </a:extLst>
-                </a:gridCol>
-                <a:gridCol w="5142838">
-                  <a:extLst>
-                    <a:ext uri="{9D8B030D-6E8A-4147-A177-3AD203B41FA5}">
-                      <a16:colId xmlns:a16="http://schemas.microsoft.com/office/drawing/2014/main" val="4032477734"/>
-                    </a:ext>
-                  </a:extLst>
-                </a:gridCol>
-              </a:tblGrid>
-              <a:tr h="439403">
-                <a:tc>
-                  <a:txBody>
-                    <a:bodyPr/>
-                    <a:lstStyle/>
-                    <a:p>
-                      <a:pPr algn="ctr"/>
-                      <a:r>
-                        <a:rPr lang="en-US" dirty="0" smtClean="0"/>
-                        <a:t>Pros</a:t>
-                      </a:r>
-                      <a:endParaRPr lang="en-US" dirty="0"/>
-                    </a:p>
-                  </a:txBody>
-                  <a:tcPr/>
-                </a:tc>
-                <a:tc>
-                  <a:txBody>
-                    <a:bodyPr/>
-                    <a:lstStyle/>
-                    <a:p>
-                      <a:pPr algn="ctr"/>
-                      <a:r>
-                        <a:rPr lang="en-US" dirty="0" smtClean="0"/>
-                        <a:t>Cons</a:t>
-                      </a:r>
-                      <a:endParaRPr lang="en-US" dirty="0"/>
-                    </a:p>
-                  </a:txBody>
-                  <a:tcPr/>
-                </a:tc>
-                <a:extLst>
-                  <a:ext uri="{0D108BD9-81ED-4DB2-BD59-A6C34878D82A}">
-                    <a16:rowId xmlns:a16="http://schemas.microsoft.com/office/drawing/2014/main" val="813999271"/>
-                  </a:ext>
-                </a:extLst>
-              </a:tr>
-              <a:tr h="3428834">
-                <a:tc>
-                  <a:txBody>
-                    <a:bodyPr/>
-                    <a:lstStyle/>
-                    <a:p>
-                      <a:r>
-                        <a:rPr lang="en-US" dirty="0" smtClean="0"/>
-                        <a:t>Open source software that is free.</a:t>
-                      </a:r>
-                    </a:p>
-                    <a:p>
-                      <a:r>
-                        <a:rPr lang="en-US" dirty="0" smtClean="0"/>
-                        <a:t>Maintains the order of the events.</a:t>
-                      </a:r>
-                    </a:p>
-                    <a:p>
-                      <a:r>
-                        <a:rPr lang="en-US" dirty="0" smtClean="0"/>
-                        <a:t>Fast and scalable.</a:t>
-                      </a:r>
-                    </a:p>
-                    <a:p>
-                      <a:r>
-                        <a:rPr lang="en-US" dirty="0" smtClean="0"/>
-                        <a:t>Supports database monitoring of common databases such as MySQL, MongoDB, PostgreSQL, </a:t>
-                      </a:r>
-                      <a:r>
-                        <a:rPr lang="en-US" dirty="0" err="1" smtClean="0"/>
-                        <a:t>SQLServer</a:t>
-                      </a:r>
-                      <a:r>
-                        <a:rPr lang="en-US" dirty="0" smtClean="0"/>
-                        <a:t>, etc.</a:t>
-                      </a:r>
-                      <a:endParaRPr lang="en-US" dirty="0"/>
-                    </a:p>
-                  </a:txBody>
-                  <a:tcPr/>
-                </a:tc>
-                <a:tc>
-                  <a:txBody>
-                    <a:bodyPr/>
-                    <a:lstStyle/>
-                    <a:p>
-                      <a:r>
-                        <a:rPr lang="en-US" dirty="0" smtClean="0"/>
-                        <a:t>Extensive engineering effort and technical know-how required.</a:t>
-                      </a:r>
-                    </a:p>
-                    <a:p>
-                      <a:r>
-                        <a:rPr lang="en-US" dirty="0" smtClean="0"/>
-                        <a:t>No guaranteed transactional integrity (and zero data loss).</a:t>
-                      </a:r>
-                    </a:p>
-                    <a:p>
-                      <a:r>
-                        <a:rPr lang="en-US" dirty="0" smtClean="0"/>
-                        <a:t>Some </a:t>
-                      </a:r>
-                      <a:r>
-                        <a:rPr lang="en-US" dirty="0" err="1" smtClean="0"/>
-                        <a:t>Debezium</a:t>
-                      </a:r>
-                      <a:r>
-                        <a:rPr lang="en-US" dirty="0" smtClean="0"/>
-                        <a:t> connectors have scalability issues</a:t>
-                      </a:r>
-                    </a:p>
-                    <a:p>
-                      <a:r>
-                        <a:rPr lang="en-US" dirty="0" smtClean="0"/>
-                        <a:t>Does not handle schema evolution gracefully.</a:t>
-                      </a:r>
-                    </a:p>
-                    <a:p>
-                      <a:r>
-                        <a:rPr lang="en-US" dirty="0" smtClean="0"/>
-                        <a:t>Limited data type support for some connectors. </a:t>
-                      </a:r>
-                    </a:p>
-                    <a:p>
-                      <a:r>
-                        <a:rPr lang="en-US" dirty="0" smtClean="0"/>
-                        <a:t>Does not scale well with data volume.</a:t>
-                      </a:r>
-                    </a:p>
-                    <a:p>
-                      <a:r>
-                        <a:rPr lang="en-US" dirty="0" smtClean="0"/>
-                        <a:t>Hidden costs in engineering effort and maintenance.</a:t>
-                      </a:r>
-                    </a:p>
-                    <a:p>
-                      <a:r>
-                        <a:rPr lang="en-US" dirty="0" smtClean="0"/>
-                        <a:t>Data pipelines can have long-term scalability issues.</a:t>
-                      </a:r>
-                      <a:endParaRPr lang="en-US" dirty="0"/>
-                    </a:p>
-                  </a:txBody>
-                  <a:tcPr/>
-                </a:tc>
-                <a:extLst>
-                  <a:ext uri="{0D108BD9-81ED-4DB2-BD59-A6C34878D82A}">
-                    <a16:rowId xmlns:a16="http://schemas.microsoft.com/office/drawing/2014/main" val="3436980087"/>
-                  </a:ext>
-                </a:extLst>
-              </a:tr>
-            </a:tbl>
-          </a:graphicData>
-        </a:graphic>
-      </p:graphicFrame>
-    </p:spTree>
-    <p:extLst>
-      <p:ext uri="{BB962C8B-B14F-4D97-AF65-F5344CB8AC3E}">
-        <p14:creationId xmlns:p14="http://schemas.microsoft.com/office/powerpoint/2010/main" val="75925414"/>
-      </p:ext>
-    </p:extLst>
-  </p:cSld>
-  <p:clrMapOvr>
-    <a:masterClrMapping/>
-  </p:clrMapOvr>
-</p:sld>
-</file>
-
-<file path=ppt/slides/slide2.xml><?xml version="1.0" encoding="utf-8"?>
-<p:sld xmlns:a="http://schemas.openxmlformats.org/drawingml/2006/main" xmlns:r="http://schemas.openxmlformats.org/officeDocument/2006/relationships" xmlns:p="http://schemas.openxmlformats.org/presentationml/2006/main">
-  <p:cSld>
-    <p:spTree>
-      <p:nvGrpSpPr>
-        <p:cNvPr id="1" name=""/>
-        <p:cNvGrpSpPr/>
-        <p:nvPr/>
-      </p:nvGrpSpPr>
-      <p:grpSpPr>
-        <a:xfrm>
-          <a:off x="0" y="0"/>
-          <a:ext cx="0" cy="0"/>
-          <a:chOff x="0" y="0"/>
-          <a:chExt cx="0" cy="0"/>
-        </a:xfrm>
-      </p:grpSpPr>
-      <p:sp>
-        <p:nvSpPr>
-          <p:cNvPr id="2" name="Title 1">
-            <a:extLst>
-              <a:ext uri="{FF2B5EF4-FFF2-40B4-BE49-F238E27FC236}">
-                <a16:creationId xmlns:a16="http://schemas.microsoft.com/office/drawing/2014/main" id="{0D61EC7C-9CCC-4E47-A0FB-E16E00911EE0}"/>
-              </a:ext>
-            </a:extLst>
-          </p:cNvPr>
-          <p:cNvSpPr>
-            <a:spLocks noGrp="1"/>
-          </p:cNvSpPr>
-          <p:nvPr>
-            <p:ph type="title"/>
-          </p:nvPr>
-        </p:nvSpPr>
-        <p:spPr/>
-        <p:txBody>
-          <a:bodyPr/>
-          <a:lstStyle/>
-          <a:p>
-            <a:r>
-              <a:rPr lang="en-GB" dirty="0"/>
-              <a:t>Agenda</a:t>
-            </a:r>
-          </a:p>
-        </p:txBody>
-      </p:sp>
-      <p:sp>
-        <p:nvSpPr>
-          <p:cNvPr id="4" name="Content Placeholder 3">
-            <a:extLst>
-              <a:ext uri="{FF2B5EF4-FFF2-40B4-BE49-F238E27FC236}">
-                <a16:creationId xmlns:a16="http://schemas.microsoft.com/office/drawing/2014/main" id="{8B519AA3-7474-413E-B60D-3B6432B77B98}"/>
-              </a:ext>
-            </a:extLst>
-          </p:cNvPr>
-          <p:cNvSpPr>
-            <a:spLocks noGrp="1"/>
-          </p:cNvSpPr>
-          <p:nvPr>
-            <p:ph sz="quarter" idx="10"/>
-          </p:nvPr>
-        </p:nvSpPr>
-        <p:spPr>
-          <a:xfrm>
-            <a:off x="676056" y="1120719"/>
-            <a:ext cx="5961491" cy="3227258"/>
-          </a:xfrm>
-        </p:spPr>
-        <p:txBody>
-          <a:bodyPr/>
-          <a:lstStyle/>
-          <a:p>
-            <a:pPr marL="342900" indent="-342900">
-              <a:buFont typeface="Arial" panose="020B0604020202020204" pitchFamily="34" charset="0"/>
-              <a:buChar char="•"/>
-            </a:pPr>
-            <a:r>
-              <a:rPr lang="en-GB" sz="1600" b="0" dirty="0"/>
-              <a:t>Context 1: Only CDC</a:t>
-            </a:r>
-          </a:p>
-          <a:p>
-            <a:pPr marL="342900" indent="-342900">
-              <a:buFont typeface="Arial" panose="020B0604020202020204" pitchFamily="34" charset="0"/>
-              <a:buChar char="•"/>
-            </a:pPr>
-            <a:r>
-              <a:rPr lang="en-GB" sz="1600" b="0" dirty="0"/>
-              <a:t>Context 2: CDC + Transform</a:t>
-            </a:r>
-          </a:p>
-          <a:p>
-            <a:pPr marL="342900" indent="-342900">
-              <a:buFont typeface="Arial" panose="020B0604020202020204" pitchFamily="34" charset="0"/>
-              <a:buChar char="•"/>
-            </a:pPr>
-            <a:r>
-              <a:rPr lang="en-GB" sz="1600" b="0" dirty="0"/>
-              <a:t>Reference model: Only CDC</a:t>
-            </a:r>
-          </a:p>
-          <a:p>
-            <a:pPr marL="342900" indent="-342900">
-              <a:buFont typeface="Arial" panose="020B0604020202020204" pitchFamily="34" charset="0"/>
-              <a:buChar char="•"/>
-            </a:pPr>
-            <a:r>
-              <a:rPr lang="en-GB" sz="1600" b="0" dirty="0"/>
-              <a:t>Reference model: CDC + Transform</a:t>
-            </a:r>
-          </a:p>
-          <a:p>
-            <a:pPr marL="342900" indent="-342900">
-              <a:buFont typeface="Arial" panose="020B0604020202020204" pitchFamily="34" charset="0"/>
-              <a:buChar char="•"/>
-            </a:pPr>
-            <a:r>
-              <a:rPr lang="en-GB" sz="1600" b="0" dirty="0"/>
-              <a:t>Architecture for both Context 1 and Context 2</a:t>
-            </a:r>
-          </a:p>
-          <a:p>
-            <a:pPr marL="342900" indent="-342900">
-              <a:buFont typeface="Arial" panose="020B0604020202020204" pitchFamily="34" charset="0"/>
-              <a:buChar char="•"/>
-            </a:pPr>
-            <a:r>
-              <a:rPr lang="en-GB" sz="1600" b="0" dirty="0"/>
-              <a:t>Git: https://github.com/bao2902/logbasedcdc</a:t>
-            </a:r>
-          </a:p>
-          <a:p>
-            <a:pPr marL="342900" indent="-342900">
-              <a:buFont typeface="Arial" panose="020B0604020202020204" pitchFamily="34" charset="0"/>
-              <a:buChar char="•"/>
-            </a:pPr>
-            <a:r>
-              <a:rPr lang="en-GB" sz="1600" b="0" dirty="0"/>
-              <a:t>Concepts: Docker</a:t>
-            </a:r>
-          </a:p>
-          <a:p>
-            <a:pPr marL="342900" indent="-342900">
-              <a:buFont typeface="Arial" panose="020B0604020202020204" pitchFamily="34" charset="0"/>
-              <a:buChar char="•"/>
-            </a:pPr>
-            <a:r>
-              <a:rPr lang="en-GB" sz="1600" b="0" dirty="0"/>
-              <a:t>Concepts: Apache Kafka</a:t>
-            </a:r>
-          </a:p>
-          <a:p>
-            <a:pPr marL="342900" indent="-342900">
-              <a:buFont typeface="Arial" panose="020B0604020202020204" pitchFamily="34" charset="0"/>
-              <a:buChar char="•"/>
-            </a:pPr>
-            <a:r>
-              <a:rPr lang="en-GB" sz="1600" b="0" dirty="0"/>
-              <a:t>Concepts: </a:t>
-            </a:r>
-            <a:r>
-              <a:rPr lang="en-GB" sz="1600" b="0" dirty="0" err="1"/>
-              <a:t>Debezium</a:t>
-            </a:r>
-            <a:endParaRPr lang="en-GB" sz="1600" b="0" dirty="0"/>
-          </a:p>
-          <a:p>
-            <a:pPr marL="342900" indent="-342900">
-              <a:buFont typeface="Arial" panose="020B0604020202020204" pitchFamily="34" charset="0"/>
-              <a:buChar char="•"/>
-            </a:pPr>
-            <a:r>
-              <a:rPr lang="en-GB" sz="1600" b="0" dirty="0" err="1"/>
-              <a:t>Debezium</a:t>
-            </a:r>
-            <a:r>
-              <a:rPr lang="en-GB" sz="1600" b="0" dirty="0"/>
-              <a:t> CDC Insert Message Example</a:t>
-            </a:r>
-          </a:p>
-          <a:p>
-            <a:pPr marL="342900" indent="-342900">
-              <a:buFont typeface="Arial" panose="020B0604020202020204" pitchFamily="34" charset="0"/>
-              <a:buChar char="•"/>
-            </a:pPr>
-            <a:r>
-              <a:rPr lang="en-GB" sz="1600" b="0" dirty="0" err="1"/>
-              <a:t>Debezium</a:t>
-            </a:r>
-            <a:r>
-              <a:rPr lang="en-GB" sz="1600" b="0" dirty="0"/>
-              <a:t> CDC Update Message Example</a:t>
-            </a:r>
-          </a:p>
-          <a:p>
-            <a:pPr marL="342900" indent="-342900">
-              <a:buFont typeface="Arial" panose="020B0604020202020204" pitchFamily="34" charset="0"/>
-              <a:buChar char="•"/>
-            </a:pPr>
-            <a:r>
-              <a:rPr lang="en-GB" sz="1600" b="0" dirty="0" err="1"/>
-              <a:t>Debezium</a:t>
-            </a:r>
-            <a:r>
-              <a:rPr lang="en-GB" sz="1600" b="0" dirty="0"/>
-              <a:t> CDC Delete Message Example</a:t>
-            </a:r>
-          </a:p>
-          <a:p>
-            <a:pPr marL="342900" indent="-342900">
-              <a:buFont typeface="Arial" panose="020B0604020202020204" pitchFamily="34" charset="0"/>
-              <a:buChar char="•"/>
-            </a:pPr>
-            <a:r>
-              <a:rPr lang="en-GB" sz="1600" b="0" dirty="0"/>
-              <a:t>Concepts: KSQL</a:t>
-            </a:r>
-          </a:p>
-          <a:p>
-            <a:pPr marL="342900" indent="-342900">
-              <a:buFont typeface="Arial" panose="020B0604020202020204" pitchFamily="34" charset="0"/>
-              <a:buChar char="•"/>
-            </a:pPr>
-            <a:r>
-              <a:rPr lang="en-GB" sz="1600" b="0" dirty="0"/>
-              <a:t>Pros and Cons: Apache Kafka</a:t>
-            </a:r>
-          </a:p>
-          <a:p>
-            <a:pPr marL="342900" indent="-342900">
-              <a:buFont typeface="Arial" panose="020B0604020202020204" pitchFamily="34" charset="0"/>
-              <a:buChar char="•"/>
-            </a:pPr>
-            <a:r>
-              <a:rPr lang="en-GB" sz="1600" b="0" dirty="0"/>
-              <a:t>Pros and Cons: </a:t>
-            </a:r>
-            <a:r>
-              <a:rPr lang="en-GB" sz="1600" b="0" dirty="0" err="1"/>
-              <a:t>Debezium</a:t>
-            </a:r>
-            <a:endParaRPr lang="en-US" sz="1600" b="0" dirty="0"/>
-          </a:p>
-        </p:txBody>
-      </p:sp>
-    </p:spTree>
-    <p:extLst>
-      <p:ext uri="{BB962C8B-B14F-4D97-AF65-F5344CB8AC3E}">
-        <p14:creationId xmlns:p14="http://schemas.microsoft.com/office/powerpoint/2010/main" val="1859987880"/>
-      </p:ext>
-    </p:extLst>
-  </p:cSld>
-  <p:clrMapOvr>
-    <a:masterClrMapping/>
-  </p:clrMapOvr>
-</p:sld>
-</file>
-
-<file path=ppt/slides/slide20.xml><?xml version="1.0" encoding="utf-8"?>
 <p:sld xmlns:a="http://schemas.openxmlformats.org/drawingml/2006/main" xmlns:r="http://schemas.openxmlformats.org/officeDocument/2006/relationships" xmlns:p="http://schemas.openxmlformats.org/presentationml/2006/main">
   <p:cSld>
     <p:spTree>
@@ -36705,6 +35172,206 @@
 </p:sld>
 </file>
 
+<file path=ppt/slides/slide2.xml><?xml version="1.0" encoding="utf-8"?>
+<p:sld xmlns:a="http://schemas.openxmlformats.org/drawingml/2006/main" xmlns:r="http://schemas.openxmlformats.org/officeDocument/2006/relationships" xmlns:p="http://schemas.openxmlformats.org/presentationml/2006/main">
+  <p:cSld>
+    <p:spTree>
+      <p:nvGrpSpPr>
+        <p:cNvPr id="1" name=""/>
+        <p:cNvGrpSpPr/>
+        <p:nvPr/>
+      </p:nvGrpSpPr>
+      <p:grpSpPr>
+        <a:xfrm>
+          <a:off x="0" y="0"/>
+          <a:ext cx="0" cy="0"/>
+          <a:chOff x="0" y="0"/>
+          <a:chExt cx="0" cy="0"/>
+        </a:xfrm>
+      </p:grpSpPr>
+      <p:sp>
+        <p:nvSpPr>
+          <p:cNvPr id="2" name="Title 1">
+            <a:extLst>
+              <a:ext uri="{FF2B5EF4-FFF2-40B4-BE49-F238E27FC236}">
+                <a16:creationId xmlns:a16="http://schemas.microsoft.com/office/drawing/2014/main" id="{0D61EC7C-9CCC-4E47-A0FB-E16E00911EE0}"/>
+              </a:ext>
+            </a:extLst>
+          </p:cNvPr>
+          <p:cNvSpPr>
+            <a:spLocks noGrp="1"/>
+          </p:cNvSpPr>
+          <p:nvPr>
+            <p:ph type="title"/>
+          </p:nvPr>
+        </p:nvSpPr>
+        <p:spPr/>
+        <p:txBody>
+          <a:bodyPr/>
+          <a:lstStyle/>
+          <a:p>
+            <a:r>
+              <a:rPr lang="en-GB" dirty="0"/>
+              <a:t>Agenda</a:t>
+            </a:r>
+          </a:p>
+        </p:txBody>
+      </p:sp>
+      <p:sp>
+        <p:nvSpPr>
+          <p:cNvPr id="4" name="Content Placeholder 3">
+            <a:extLst>
+              <a:ext uri="{FF2B5EF4-FFF2-40B4-BE49-F238E27FC236}">
+                <a16:creationId xmlns:a16="http://schemas.microsoft.com/office/drawing/2014/main" id="{8B519AA3-7474-413E-B60D-3B6432B77B98}"/>
+              </a:ext>
+            </a:extLst>
+          </p:cNvPr>
+          <p:cNvSpPr>
+            <a:spLocks noGrp="1"/>
+          </p:cNvSpPr>
+          <p:nvPr>
+            <p:ph sz="quarter" idx="10"/>
+          </p:nvPr>
+        </p:nvSpPr>
+        <p:spPr>
+          <a:xfrm>
+            <a:off x="676056" y="1120719"/>
+            <a:ext cx="5961491" cy="3227258"/>
+          </a:xfrm>
+        </p:spPr>
+        <p:txBody>
+          <a:bodyPr/>
+          <a:lstStyle/>
+          <a:p>
+            <a:pPr marL="342900" indent="-342900">
+              <a:buFont typeface="Arial" panose="020B0604020202020204" pitchFamily="34" charset="0"/>
+              <a:buChar char="•"/>
+            </a:pPr>
+            <a:r>
+              <a:rPr lang="en-US" sz="1600" b="0" dirty="0"/>
+              <a:t>Concepts: Log-Based </a:t>
+            </a:r>
+            <a:r>
+              <a:rPr lang="en-US" sz="1600" b="0" dirty="0" smtClean="0"/>
+              <a:t>CDC</a:t>
+            </a:r>
+            <a:endParaRPr lang="en-GB" sz="1600" b="0" dirty="0" smtClean="0"/>
+          </a:p>
+          <a:p>
+            <a:pPr marL="342900" indent="-342900">
+              <a:buFont typeface="Arial" panose="020B0604020202020204" pitchFamily="34" charset="0"/>
+              <a:buChar char="•"/>
+            </a:pPr>
+            <a:r>
+              <a:rPr lang="en-GB" sz="1600" b="0" dirty="0"/>
+              <a:t>Concepts: Apache Kafka</a:t>
+            </a:r>
+          </a:p>
+          <a:p>
+            <a:pPr marL="342900" indent="-342900">
+              <a:buFont typeface="Arial" panose="020B0604020202020204" pitchFamily="34" charset="0"/>
+              <a:buChar char="•"/>
+            </a:pPr>
+            <a:r>
+              <a:rPr lang="en-GB" sz="1600" b="0" dirty="0"/>
+              <a:t>Concepts: </a:t>
+            </a:r>
+            <a:r>
+              <a:rPr lang="en-GB" sz="1600" b="0" dirty="0" err="1"/>
+              <a:t>Debezium</a:t>
+            </a:r>
+            <a:endParaRPr lang="en-GB" sz="1600" b="0" dirty="0"/>
+          </a:p>
+          <a:p>
+            <a:pPr marL="342900" indent="-342900">
+              <a:buFont typeface="Arial" panose="020B0604020202020204" pitchFamily="34" charset="0"/>
+              <a:buChar char="•"/>
+            </a:pPr>
+            <a:r>
+              <a:rPr lang="en-GB" sz="1600" b="0" dirty="0"/>
+              <a:t>Concepts: KSQL</a:t>
+            </a:r>
+          </a:p>
+          <a:p>
+            <a:pPr marL="342900" indent="-342900">
+              <a:buFont typeface="Arial" panose="020B0604020202020204" pitchFamily="34" charset="0"/>
+              <a:buChar char="•"/>
+            </a:pPr>
+            <a:r>
+              <a:rPr lang="en-GB" sz="1600" b="0" dirty="0" smtClean="0"/>
+              <a:t>Context </a:t>
+            </a:r>
+            <a:r>
+              <a:rPr lang="en-GB" sz="1600" b="0" dirty="0"/>
+              <a:t>1: Only CDC</a:t>
+            </a:r>
+          </a:p>
+          <a:p>
+            <a:pPr marL="342900" indent="-342900">
+              <a:buFont typeface="Arial" panose="020B0604020202020204" pitchFamily="34" charset="0"/>
+              <a:buChar char="•"/>
+            </a:pPr>
+            <a:r>
+              <a:rPr lang="en-GB" sz="1600" b="0" dirty="0"/>
+              <a:t>Context 2: CDC + Transform</a:t>
+            </a:r>
+          </a:p>
+          <a:p>
+            <a:pPr marL="342900" indent="-342900">
+              <a:buFont typeface="Arial" panose="020B0604020202020204" pitchFamily="34" charset="0"/>
+              <a:buChar char="•"/>
+            </a:pPr>
+            <a:r>
+              <a:rPr lang="en-GB" sz="1600" b="0" dirty="0" smtClean="0"/>
+              <a:t>M</a:t>
+            </a:r>
+            <a:r>
+              <a:rPr lang="en-GB" sz="1600" b="0" dirty="0" smtClean="0"/>
+              <a:t>odel 1: </a:t>
+            </a:r>
+            <a:r>
+              <a:rPr lang="en-GB" sz="1600" b="0" dirty="0"/>
+              <a:t>Only CDC</a:t>
+            </a:r>
+          </a:p>
+          <a:p>
+            <a:pPr marL="342900" indent="-342900">
+              <a:buFont typeface="Arial" panose="020B0604020202020204" pitchFamily="34" charset="0"/>
+              <a:buChar char="•"/>
+            </a:pPr>
+            <a:r>
+              <a:rPr lang="en-GB" sz="1600" b="0" dirty="0" smtClean="0"/>
+              <a:t>M</a:t>
+            </a:r>
+            <a:r>
+              <a:rPr lang="en-GB" sz="1600" b="0" dirty="0" smtClean="0"/>
+              <a:t>odel 2: </a:t>
+            </a:r>
+            <a:r>
+              <a:rPr lang="en-GB" sz="1600" b="0" dirty="0"/>
+              <a:t>CDC + </a:t>
+            </a:r>
+            <a:r>
+              <a:rPr lang="en-GB" sz="1600" b="0" dirty="0" smtClean="0"/>
+              <a:t>Transform</a:t>
+            </a:r>
+            <a:endParaRPr lang="en-GB" sz="1600" b="0" dirty="0"/>
+          </a:p>
+        </p:txBody>
+      </p:sp>
+    </p:spTree>
+    <p:extLst>
+      <p:ext uri="{BB962C8B-B14F-4D97-AF65-F5344CB8AC3E}">
+        <p14:creationId xmlns:p14="http://schemas.microsoft.com/office/powerpoint/2010/main" val="1859987880"/>
+      </p:ext>
+    </p:extLst>
+  </p:cSld>
+  <p:clrMapOvr>
+    <a:masterClrMapping/>
+  </p:clrMapOvr>
+</p:sld>
+</file>
+
 <file path=ppt/slides/slide3.xml><?xml version="1.0" encoding="utf-8"?>
 <p:sld xmlns:a="http://schemas.openxmlformats.org/drawingml/2006/main" xmlns:r="http://schemas.openxmlformats.org/officeDocument/2006/relationships" xmlns:p="http://schemas.openxmlformats.org/presentationml/2006/main">
   <p:cSld>
@@ -36739,179 +35406,48 @@
           <a:p>
             <a:r>
               <a:rPr lang="en-US" dirty="0" smtClean="0"/>
-              <a:t>Context 1: Only CDC</a:t>
+              <a:t>Concepts: </a:t>
+            </a:r>
+            <a:r>
+              <a:rPr lang="en-US" dirty="0"/>
+              <a:t>Log-Based </a:t>
+            </a:r>
+            <a:r>
+              <a:rPr lang="en-US" dirty="0" smtClean="0"/>
+              <a:t>CDC</a:t>
             </a:r>
             <a:endParaRPr lang="en-US" dirty="0"/>
           </a:p>
         </p:txBody>
       </p:sp>
-      <p:sp>
-        <p:nvSpPr>
-          <p:cNvPr id="2" name="TextBox 1"/>
-          <p:cNvSpPr txBox="1"/>
+      <p:pic>
+        <p:nvPicPr>
+          <p:cNvPr id="5" name="Picture 4"/>
+          <p:cNvPicPr>
+            <a:picLocks noChangeAspect="1"/>
+          </p:cNvPicPr>
           <p:nvPr/>
-        </p:nvSpPr>
-        <p:spPr>
-          <a:xfrm>
-            <a:off x="838200" y="1733384"/>
-            <a:ext cx="9995807" cy="2585323"/>
+        </p:nvPicPr>
+        <p:blipFill>
+          <a:blip r:embed="rId2"/>
+          <a:stretch>
+            <a:fillRect/>
+          </a:stretch>
+        </p:blipFill>
+        <p:spPr>
+          <a:xfrm>
+            <a:off x="838200" y="1239741"/>
+            <a:ext cx="10669735" cy="4556760"/>
           </a:xfrm>
           <a:prstGeom prst="rect">
             <a:avLst/>
           </a:prstGeom>
-          <a:noFill/>
-        </p:spPr>
-        <p:txBody>
-          <a:bodyPr wrap="square" rtlCol="0">
-            <a:spAutoFit/>
-          </a:bodyPr>
-          <a:lstStyle/>
-          <a:p>
-            <a:r>
-              <a:rPr lang="en-US" b="1" dirty="0" smtClean="0"/>
-              <a:t>Description:</a:t>
-            </a:r>
-            <a:endParaRPr lang="en-US" dirty="0" smtClean="0"/>
-          </a:p>
-          <a:p>
-            <a:r>
-              <a:rPr lang="en-US" dirty="0" smtClean="0"/>
-              <a:t>- </a:t>
-            </a:r>
-            <a:r>
-              <a:rPr lang="en-US" dirty="0"/>
-              <a:t>We have a Users table (fields: </a:t>
-            </a:r>
-            <a:r>
-              <a:rPr lang="en-US" dirty="0" err="1"/>
-              <a:t>user_id</a:t>
-            </a:r>
-            <a:r>
-              <a:rPr lang="en-US" dirty="0"/>
-              <a:t>, </a:t>
-            </a:r>
-            <a:r>
-              <a:rPr lang="en-US" dirty="0" err="1"/>
-              <a:t>first_name</a:t>
-            </a:r>
-            <a:r>
-              <a:rPr lang="en-US" dirty="0"/>
-              <a:t>, </a:t>
-            </a:r>
-            <a:r>
-              <a:rPr lang="en-US" dirty="0" err="1"/>
-              <a:t>last_name</a:t>
-            </a:r>
-            <a:r>
-              <a:rPr lang="en-US" dirty="0"/>
-              <a:t>) in a source PostgreSQL database.</a:t>
-            </a:r>
-          </a:p>
-          <a:p>
-            <a:r>
-              <a:rPr lang="en-US" dirty="0"/>
-              <a:t>- We have a Wages table (fields: </a:t>
-            </a:r>
-            <a:r>
-              <a:rPr lang="en-US" dirty="0" err="1"/>
-              <a:t>user_id</a:t>
-            </a:r>
-            <a:r>
-              <a:rPr lang="en-US" dirty="0"/>
-              <a:t>, wage) in a </a:t>
-            </a:r>
-            <a:r>
-              <a:rPr lang="en-US" dirty="0" err="1"/>
-              <a:t>soure</a:t>
-            </a:r>
-            <a:r>
-              <a:rPr lang="en-US" dirty="0"/>
-              <a:t> PostgreSQL database.</a:t>
-            </a:r>
-          </a:p>
-          <a:p>
-            <a:r>
-              <a:rPr lang="en-US" dirty="0"/>
-              <a:t>- We have a Users table (fields: </a:t>
-            </a:r>
-            <a:r>
-              <a:rPr lang="en-US" dirty="0" err="1"/>
-              <a:t>user_id</a:t>
-            </a:r>
-            <a:r>
-              <a:rPr lang="en-US" dirty="0"/>
-              <a:t>, </a:t>
-            </a:r>
-            <a:r>
-              <a:rPr lang="en-US" dirty="0" err="1"/>
-              <a:t>first_name</a:t>
-            </a:r>
-            <a:r>
-              <a:rPr lang="en-US" dirty="0"/>
-              <a:t>, </a:t>
-            </a:r>
-            <a:r>
-              <a:rPr lang="en-US" dirty="0" err="1"/>
-              <a:t>last_name</a:t>
-            </a:r>
-            <a:r>
-              <a:rPr lang="en-US" dirty="0"/>
-              <a:t>) in a sink PostgreSQL database.</a:t>
-            </a:r>
-          </a:p>
-          <a:p>
-            <a:r>
-              <a:rPr lang="en-US" dirty="0"/>
-              <a:t>- We have a Wages table (fields: </a:t>
-            </a:r>
-            <a:r>
-              <a:rPr lang="en-US" dirty="0" err="1"/>
-              <a:t>user_id</a:t>
-            </a:r>
-            <a:r>
-              <a:rPr lang="en-US" dirty="0"/>
-              <a:t>, wage) in a sink PostgreSQL database.</a:t>
-            </a:r>
-          </a:p>
-          <a:p>
-            <a:r>
-              <a:rPr lang="en-US" dirty="0"/>
-              <a:t>- We want to synchronize the Change Data Capture (CDC) to the tables Users and Wages in a sink PostgreSQL database when the tables Users and Wages are inserted, updated, or deleted in the source PostgreSQL database.</a:t>
-            </a:r>
-          </a:p>
-          <a:p>
-            <a:r>
-              <a:rPr lang="en-US" dirty="0"/>
-              <a:t>- We expect this </a:t>
-            </a:r>
-            <a:r>
-              <a:rPr lang="en-US" dirty="0" err="1"/>
-              <a:t>synchonization</a:t>
-            </a:r>
-            <a:r>
-              <a:rPr lang="en-US" dirty="0"/>
-              <a:t> </a:t>
-            </a:r>
-            <a:r>
-              <a:rPr lang="en-US" dirty="0" err="1"/>
-              <a:t>happenning</a:t>
-            </a:r>
-            <a:r>
-              <a:rPr lang="en-US" dirty="0"/>
-              <a:t> in near-real-time</a:t>
-            </a:r>
-            <a:r>
-              <a:rPr lang="en-US" dirty="0" smtClean="0"/>
-              <a:t>.</a:t>
-            </a:r>
-            <a:endParaRPr lang="en-US" dirty="0"/>
-          </a:p>
-        </p:txBody>
-      </p:sp>
+        </p:spPr>
+      </p:pic>
     </p:spTree>
     <p:extLst>
       <p:ext uri="{BB962C8B-B14F-4D97-AF65-F5344CB8AC3E}">
-        <p14:creationId xmlns:p14="http://schemas.microsoft.com/office/powerpoint/2010/main" val="3865073197"/>
+        <p14:creationId xmlns:p14="http://schemas.microsoft.com/office/powerpoint/2010/main" val="1009033948"/>
       </p:ext>
     </p:extLst>
   </p:cSld>
@@ -36955,7 +35491,15 @@
           <a:p>
             <a:r>
               <a:rPr lang="en-US" dirty="0" smtClean="0"/>
-              <a:t>Context 2: CDC + Transform</a:t>
+              <a:t>Concepts: </a:t>
+            </a:r>
+            <a:r>
+              <a:rPr lang="en-US" dirty="0"/>
+              <a:t>Log-Based </a:t>
+            </a:r>
+            <a:r>
+              <a:rPr lang="en-US" dirty="0" smtClean="0"/>
+              <a:t>CDC</a:t>
             </a:r>
             <a:endParaRPr lang="en-US" dirty="0"/>
           </a:p>
@@ -36970,7 +35514,7 @@
         <p:spPr>
           <a:xfrm>
             <a:off x="838200" y="1733384"/>
-            <a:ext cx="9995807" cy="3416320"/>
+            <a:ext cx="9995807" cy="2862322"/>
           </a:xfrm>
           <a:prstGeom prst="rect">
             <a:avLst/>
@@ -36984,222 +35528,52 @@
           <a:lstStyle/>
           <a:p>
             <a:r>
-              <a:rPr lang="en-US" b="1" dirty="0" smtClean="0"/>
-              <a:t>Description:</a:t>
-            </a:r>
-            <a:endParaRPr lang="en-US" b="1" dirty="0"/>
+              <a:rPr lang="en-US" b="1" dirty="0"/>
+              <a:t>Log-Based Change Data Capture</a:t>
+            </a:r>
+          </a:p>
+          <a:p>
+            <a:endParaRPr lang="en-US" dirty="0"/>
           </a:p>
           <a:p>
             <a:r>
               <a:rPr lang="en-US" dirty="0"/>
-              <a:t>- We have a Users table (fields: </a:t>
-            </a:r>
-            <a:r>
-              <a:rPr lang="en-US" dirty="0" err="1"/>
-              <a:t>user_id</a:t>
-            </a:r>
-            <a:r>
-              <a:rPr lang="en-US" dirty="0"/>
-              <a:t>, </a:t>
-            </a:r>
-            <a:r>
-              <a:rPr lang="en-US" dirty="0" err="1"/>
-              <a:t>first_name</a:t>
-            </a:r>
-            <a:r>
-              <a:rPr lang="en-US" dirty="0"/>
-              <a:t>, </a:t>
-            </a:r>
-            <a:r>
-              <a:rPr lang="en-US" dirty="0" err="1"/>
-              <a:t>last_name</a:t>
-            </a:r>
-            <a:r>
-              <a:rPr lang="en-US" dirty="0"/>
-              <a:t>) in a source PostgreSQL database.</a:t>
-            </a:r>
-          </a:p>
-          <a:p>
-            <a:r>
-              <a:rPr lang="en-US" dirty="0"/>
-              <a:t>- We have a Wages table (fields: </a:t>
-            </a:r>
-            <a:r>
-              <a:rPr lang="en-US" dirty="0" err="1"/>
-              <a:t>user_id</a:t>
-            </a:r>
-            <a:r>
-              <a:rPr lang="en-US" dirty="0"/>
-              <a:t>, wage) in a </a:t>
-            </a:r>
-            <a:r>
-              <a:rPr lang="en-US" dirty="0" err="1"/>
-              <a:t>soure</a:t>
-            </a:r>
-            <a:r>
-              <a:rPr lang="en-US" dirty="0"/>
-              <a:t> PostgreSQL database.</a:t>
-            </a:r>
-          </a:p>
-          <a:p>
-            <a:r>
-              <a:rPr lang="en-US" dirty="0"/>
-              <a:t>- We have a </a:t>
-            </a:r>
-            <a:r>
-              <a:rPr lang="en-US" dirty="0" err="1"/>
-              <a:t>User_Wages</a:t>
-            </a:r>
-            <a:r>
-              <a:rPr lang="en-US" dirty="0"/>
-              <a:t> table (fields: </a:t>
-            </a:r>
-            <a:r>
-              <a:rPr lang="en-US" dirty="0" err="1"/>
-              <a:t>user_id</a:t>
-            </a:r>
-            <a:r>
-              <a:rPr lang="en-US" dirty="0"/>
-              <a:t>, </a:t>
-            </a:r>
-            <a:r>
-              <a:rPr lang="en-US" dirty="0" err="1"/>
-              <a:t>full_name</a:t>
-            </a:r>
-            <a:r>
-              <a:rPr lang="en-US" dirty="0"/>
-              <a:t>, wage) in a sink PostgreSQL database.</a:t>
-            </a:r>
-          </a:p>
-          <a:p>
-            <a:r>
-              <a:rPr lang="en-US" dirty="0"/>
-              <a:t>- We want to synchronize the Change Data Capture (CDC) to the table </a:t>
-            </a:r>
-            <a:r>
-              <a:rPr lang="en-US" dirty="0" err="1"/>
-              <a:t>User_Wages</a:t>
-            </a:r>
-            <a:r>
-              <a:rPr lang="en-US" dirty="0"/>
-              <a:t> in a sink PostgreSQL database when the tables Users and Wages are inserted, updated, or deleted in the source PostgreSQL database.</a:t>
-            </a:r>
-          </a:p>
-          <a:p>
-            <a:r>
-              <a:rPr lang="en-US" dirty="0"/>
-              <a:t>- This </a:t>
-            </a:r>
-            <a:r>
-              <a:rPr lang="en-US" dirty="0" err="1"/>
-              <a:t>synchonization</a:t>
-            </a:r>
-            <a:r>
-              <a:rPr lang="en-US" dirty="0"/>
-              <a:t> includes the data </a:t>
-            </a:r>
-            <a:r>
-              <a:rPr lang="en-US" dirty="0" err="1"/>
-              <a:t>tranforming</a:t>
-            </a:r>
-            <a:r>
-              <a:rPr lang="en-US" dirty="0"/>
-              <a:t> as following:</a:t>
-            </a:r>
-          </a:p>
-          <a:p>
-            <a:r>
-              <a:rPr lang="en-US" dirty="0"/>
-              <a:t>+ </a:t>
-            </a:r>
-            <a:r>
-              <a:rPr lang="en-US" dirty="0" err="1"/>
-              <a:t>User_Wages.user_id</a:t>
-            </a:r>
-            <a:r>
-              <a:rPr lang="en-US" dirty="0"/>
-              <a:t> = </a:t>
-            </a:r>
-            <a:r>
-              <a:rPr lang="en-US" dirty="0" err="1"/>
-              <a:t>Users.user_id</a:t>
-            </a:r>
+              <a:t>Databases contain transaction logs (also called redo logs) that store all database events allowing for the database to be recovered in the event of a crash. With log-based change data capture, new database transactions – including inserts, updates, and deletes – are read from source databases’ native transaction logs.</a:t>
+            </a:r>
+          </a:p>
+          <a:p>
             <a:endParaRPr lang="en-US" dirty="0"/>
           </a:p>
           <a:p>
             <a:r>
-              <a:rPr lang="en-US" dirty="0"/>
-              <a:t>+ </a:t>
-            </a:r>
-            <a:r>
-              <a:rPr lang="en-US" dirty="0" err="1"/>
-              <a:t>User_Wages.full_name</a:t>
-            </a:r>
-            <a:r>
-              <a:rPr lang="en-US" dirty="0"/>
-              <a:t> = </a:t>
-            </a:r>
-            <a:r>
-              <a:rPr lang="en-US" dirty="0" err="1"/>
-              <a:t>Users.first_name</a:t>
-            </a:r>
-            <a:r>
-              <a:rPr lang="en-US" dirty="0"/>
-              <a:t> + ' ' + </a:t>
-            </a:r>
-            <a:r>
-              <a:rPr lang="en-US" dirty="0" err="1"/>
-              <a:t>Users.last_name</a:t>
-            </a:r>
+              <a:rPr lang="en-US" b="1" dirty="0"/>
+              <a:t>References:</a:t>
+            </a:r>
+          </a:p>
+          <a:p>
+            <a:r>
+              <a:rPr lang="en-US" dirty="0">
+                <a:hlinkClick r:id="rId2"/>
+              </a:rPr>
+              <a:t>https://</a:t>
+            </a:r>
+            <a:r>
+              <a:rPr lang="en-US" dirty="0" smtClean="0">
+                <a:hlinkClick r:id="rId2"/>
+              </a:rPr>
+              <a:t>www.striim.com/blog/change-data-capture-cdc-what-it-is-and-how-it-works</a:t>
+            </a:r>
+            <a:endParaRPr lang="en-US" dirty="0" smtClean="0"/>
+          </a:p>
+          <a:p>
             <a:endParaRPr lang="en-US" dirty="0"/>
-          </a:p>
-          <a:p>
-            <a:r>
-              <a:rPr lang="en-US" dirty="0"/>
-              <a:t>+ </a:t>
-            </a:r>
-            <a:r>
-              <a:rPr lang="en-US" dirty="0" err="1"/>
-              <a:t>User_Wages.wage</a:t>
-            </a:r>
-            <a:r>
-              <a:rPr lang="en-US" dirty="0"/>
-              <a:t> = </a:t>
-            </a:r>
-            <a:r>
-              <a:rPr lang="en-US" dirty="0" err="1"/>
-              <a:t>Wages.wage</a:t>
-            </a:r>
-            <a:endParaRPr lang="en-US" dirty="0"/>
-          </a:p>
-          <a:p>
-            <a:r>
-              <a:rPr lang="en-US" dirty="0"/>
-              <a:t>- We expect this </a:t>
-            </a:r>
-            <a:r>
-              <a:rPr lang="en-US" dirty="0" err="1"/>
-              <a:t>synchonization</a:t>
-            </a:r>
-            <a:r>
-              <a:rPr lang="en-US" dirty="0"/>
-              <a:t> </a:t>
-            </a:r>
-            <a:r>
-              <a:rPr lang="en-US" dirty="0" err="1"/>
-              <a:t>happenning</a:t>
-            </a:r>
-            <a:r>
-              <a:rPr lang="en-US" dirty="0"/>
-              <a:t> in near-real-time.</a:t>
-            </a:r>
           </a:p>
         </p:txBody>
       </p:sp>
     </p:spTree>
     <p:extLst>
       <p:ext uri="{BB962C8B-B14F-4D97-AF65-F5344CB8AC3E}">
-        <p14:creationId xmlns:p14="http://schemas.microsoft.com/office/powerpoint/2010/main" val="1100898731"/>
+        <p14:creationId xmlns:p14="http://schemas.microsoft.com/office/powerpoint/2010/main" val="3987412862"/>
       </p:ext>
     </p:extLst>
   </p:cSld>
@@ -37243,15 +35617,8 @@
           <a:p>
             <a:r>
               <a:rPr lang="en-US" dirty="0" smtClean="0"/>
-              <a:t>Reference model: </a:t>
-            </a:r>
-            <a:r>
-              <a:rPr lang="en-US" dirty="0"/>
-              <a:t>Only CDC</a:t>
-            </a:r>
-            <a:br>
-              <a:rPr lang="en-US" dirty="0"/>
-            </a:br>
+              <a:t>Concepts: Apache Kafka</a:t>
+            </a:r>
             <a:endParaRPr lang="en-US" dirty="0"/>
           </a:p>
         </p:txBody>
@@ -37272,69 +35639,18 @@
         </p:blipFill>
         <p:spPr>
           <a:xfrm>
-            <a:off x="629236" y="1526689"/>
-            <a:ext cx="10971717" cy="2422327"/>
+            <a:off x="838201" y="1031606"/>
+            <a:ext cx="6954078" cy="4133315"/>
           </a:xfrm>
           <a:prstGeom prst="rect">
             <a:avLst/>
           </a:prstGeom>
         </p:spPr>
       </p:pic>
-      <p:sp>
-        <p:nvSpPr>
-          <p:cNvPr id="5" name="TextBox 4"/>
-          <p:cNvSpPr txBox="1"/>
-          <p:nvPr/>
-        </p:nvSpPr>
-        <p:spPr>
-          <a:xfrm>
-            <a:off x="629236" y="5939625"/>
-            <a:ext cx="6606617" cy="646331"/>
-          </a:xfrm>
-          <a:prstGeom prst="rect">
-            <a:avLst/>
-          </a:prstGeom>
-          <a:noFill/>
-        </p:spPr>
-        <p:txBody>
-          <a:bodyPr wrap="none" rtlCol="0">
-            <a:spAutoFit/>
-          </a:bodyPr>
-          <a:lstStyle/>
-          <a:p>
-            <a:r>
-              <a:rPr lang="en-US" dirty="0" smtClean="0"/>
-              <a:t>Reference: </a:t>
-            </a:r>
-            <a:r>
-              <a:rPr lang="en-US" dirty="0" smtClean="0">
-                <a:hlinkClick r:id="rId3"/>
-              </a:rPr>
-              <a:t>https</a:t>
-            </a:r>
-            <a:r>
-              <a:rPr lang="en-US" dirty="0">
-                <a:hlinkClick r:id="rId3"/>
-              </a:rPr>
-              <a:t>://blog.palark.com/debezium-cdc-for-apache-kafka</a:t>
-            </a:r>
-            <a:r>
-              <a:rPr lang="en-US" dirty="0" smtClean="0">
-                <a:hlinkClick r:id="rId3"/>
-              </a:rPr>
-              <a:t>/</a:t>
-            </a:r>
-            <a:endParaRPr lang="en-US" dirty="0" smtClean="0"/>
-          </a:p>
-          <a:p>
-            <a:endParaRPr lang="en-US" dirty="0"/>
-          </a:p>
-        </p:txBody>
-      </p:sp>
     </p:spTree>
     <p:extLst>
       <p:ext uri="{BB962C8B-B14F-4D97-AF65-F5344CB8AC3E}">
-        <p14:creationId xmlns:p14="http://schemas.microsoft.com/office/powerpoint/2010/main" val="1155411312"/>
+        <p14:creationId xmlns:p14="http://schemas.microsoft.com/office/powerpoint/2010/main" val="1745825721"/>
       </p:ext>
     </p:extLst>
   </p:cSld>
@@ -37378,29 +35694,22 @@
           <a:p>
             <a:r>
               <a:rPr lang="en-US" dirty="0" smtClean="0"/>
-              <a:t>Reference model: </a:t>
-            </a:r>
-            <a:r>
-              <a:rPr lang="en-US" dirty="0"/>
-              <a:t>CDC + Transform</a:t>
-            </a:r>
-            <a:br>
-              <a:rPr lang="en-US" dirty="0"/>
-            </a:br>
+              <a:t>Concepts: Apache Kafka</a:t>
+            </a:r>
             <a:endParaRPr lang="en-US" dirty="0"/>
           </a:p>
         </p:txBody>
       </p:sp>
       <p:sp>
         <p:nvSpPr>
-          <p:cNvPr id="5" name="TextBox 4"/>
+          <p:cNvPr id="2" name="TextBox 1"/>
           <p:cNvSpPr txBox="1"/>
           <p:nvPr/>
         </p:nvSpPr>
         <p:spPr>
           <a:xfrm>
-            <a:off x="629236" y="5939625"/>
-            <a:ext cx="5406929" cy="646331"/>
+            <a:off x="838200" y="1733384"/>
+            <a:ext cx="9995807" cy="2862322"/>
           </a:xfrm>
           <a:prstGeom prst="rect">
             <a:avLst/>
@@ -37408,62 +35717,73 @@
           <a:noFill/>
         </p:spPr>
         <p:txBody>
-          <a:bodyPr wrap="none" rtlCol="0">
+          <a:bodyPr wrap="square" rtlCol="0">
             <a:spAutoFit/>
           </a:bodyPr>
           <a:lstStyle/>
           <a:p>
             <a:r>
+              <a:rPr lang="en-US" b="1" dirty="0"/>
+              <a:t>Apache </a:t>
+            </a:r>
+            <a:r>
+              <a:rPr lang="en-US" b="1" dirty="0" smtClean="0"/>
+              <a:t>Kafka</a:t>
+            </a:r>
+          </a:p>
+          <a:p>
+            <a:endParaRPr lang="en-US" b="1" dirty="0"/>
+          </a:p>
+          <a:p>
+            <a:r>
+              <a:rPr lang="en-US" dirty="0" smtClean="0"/>
+              <a:t>Apache </a:t>
+            </a:r>
+            <a:r>
               <a:rPr lang="en-US" dirty="0"/>
-              <a:t>Reference: </a:t>
-            </a:r>
+              <a:t>Kafka is an open-source distributed event streaming platform used by thousands of companies for high-performance data pipelines, streaming analytics, data integration, and mission-critical applications</a:t>
+            </a:r>
+            <a:r>
+              <a:rPr lang="en-US" dirty="0" smtClean="0"/>
+              <a:t>.</a:t>
+            </a:r>
+          </a:p>
+          <a:p>
+            <a:endParaRPr lang="en-US" dirty="0"/>
+          </a:p>
+          <a:p>
+            <a:r>
+              <a:rPr lang="en-US" b="1" dirty="0"/>
+              <a:t>References:</a:t>
+            </a:r>
+          </a:p>
+          <a:p>
             <a:r>
               <a:rPr lang="en-US" dirty="0">
                 <a:hlinkClick r:id="rId2"/>
               </a:rPr>
-              <a:t>https://www.udemy.com/course/kafka-ksql</a:t>
-            </a:r>
-            <a:r>
-              <a:rPr lang="en-US" dirty="0" smtClean="0">
-                <a:hlinkClick r:id="rId2"/>
+              <a:t>https://kafka.apache.org/</a:t>
+            </a:r>
+            <a:endParaRPr lang="en-US" dirty="0"/>
+          </a:p>
+          <a:p>
+            <a:r>
+              <a:rPr lang="en-US" dirty="0">
+                <a:hlinkClick r:id="rId3"/>
               </a:rPr>
-              <a:t>/</a:t>
-            </a:r>
-            <a:endParaRPr lang="en-US" dirty="0" smtClean="0"/>
-          </a:p>
-          <a:p>
+              <a:t>https://kafka.apache.org/intro</a:t>
+            </a:r>
             <a:endParaRPr lang="en-US" dirty="0"/>
           </a:p>
-        </p:txBody>
-      </p:sp>
-      <p:pic>
-        <p:nvPicPr>
-          <p:cNvPr id="2" name="Picture 1"/>
-          <p:cNvPicPr>
-            <a:picLocks noChangeAspect="1"/>
-          </p:cNvPicPr>
-          <p:nvPr/>
-        </p:nvPicPr>
-        <p:blipFill>
-          <a:blip r:embed="rId3"/>
-          <a:stretch>
-            <a:fillRect/>
-          </a:stretch>
-        </p:blipFill>
-        <p:spPr>
-          <a:xfrm>
-            <a:off x="838200" y="1065439"/>
-            <a:ext cx="10274074" cy="4489621"/>
-          </a:xfrm>
-          <a:prstGeom prst="rect">
-            <a:avLst/>
-          </a:prstGeom>
-        </p:spPr>
-      </p:pic>
+          <a:p>
+            <a:endParaRPr lang="en-US" dirty="0"/>
+          </a:p>
+        </p:txBody>
+      </p:sp>
     </p:spTree>
     <p:extLst>
       <p:ext uri="{BB962C8B-B14F-4D97-AF65-F5344CB8AC3E}">
-        <p14:creationId xmlns:p14="http://schemas.microsoft.com/office/powerpoint/2010/main" val="3359584533"/>
+        <p14:creationId xmlns:p14="http://schemas.microsoft.com/office/powerpoint/2010/main" val="2454297277"/>
       </p:ext>
     </p:extLst>
   </p:cSld>
@@ -37507,7 +35827,11 @@
           <a:p>
             <a:r>
               <a:rPr lang="en-US" dirty="0" smtClean="0"/>
-              <a:t>Architecture for both Context 1 and Context 2</a:t>
+              <a:t>Concepts: </a:t>
+            </a:r>
+            <a:r>
+              <a:rPr lang="en-US" dirty="0" err="1" smtClean="0"/>
+              <a:t>Debezium</a:t>
             </a:r>
             <a:endParaRPr lang="en-US" dirty="0"/>
           </a:p>
@@ -37529,8 +35853,8 @@
         </p:blipFill>
         <p:spPr>
           <a:xfrm>
-            <a:off x="607528" y="944143"/>
-            <a:ext cx="10746271" cy="5563306"/>
+            <a:off x="447675" y="1095375"/>
+            <a:ext cx="11296650" cy="4667250"/>
           </a:xfrm>
           <a:prstGeom prst="rect">
             <a:avLst/>
@@ -37540,7 +35864,7 @@
     </p:spTree>
     <p:extLst>
       <p:ext uri="{BB962C8B-B14F-4D97-AF65-F5344CB8AC3E}">
-        <p14:creationId xmlns:p14="http://schemas.microsoft.com/office/powerpoint/2010/main" val="483830526"/>
+        <p14:creationId xmlns:p14="http://schemas.microsoft.com/office/powerpoint/2010/main" val="4293549566"/>
       </p:ext>
     </p:extLst>
   </p:cSld>
@@ -37583,45 +35907,142 @@
           <a:lstStyle/>
           <a:p>
             <a:r>
+              <a:rPr lang="en-US" dirty="0" smtClean="0"/>
+              <a:t>Concepts: </a:t>
+            </a:r>
+            <a:r>
               <a:rPr lang="en-US" dirty="0" err="1" smtClean="0"/>
-              <a:t>Git</a:t>
-            </a:r>
-            <a:r>
-              <a:rPr lang="en-US" dirty="0"/>
-              <a:t>: https://github.com/bao2902/logbasedcdc</a:t>
+              <a:t>Debezium</a:t>
             </a:r>
             <a:endParaRPr lang="en-US" dirty="0"/>
           </a:p>
         </p:txBody>
       </p:sp>
-      <p:pic>
-        <p:nvPicPr>
-          <p:cNvPr id="2" name="Picture 1"/>
-          <p:cNvPicPr>
-            <a:picLocks noChangeAspect="1"/>
-          </p:cNvPicPr>
+      <p:sp>
+        <p:nvSpPr>
+          <p:cNvPr id="2" name="TextBox 1"/>
+          <p:cNvSpPr txBox="1"/>
           <p:nvPr/>
-        </p:nvPicPr>
-        <p:blipFill>
-          <a:blip r:embed="rId2"/>
-          <a:stretch>
-            <a:fillRect/>
-          </a:stretch>
-        </p:blipFill>
-        <p:spPr>
-          <a:xfrm>
-            <a:off x="838200" y="1207531"/>
-            <a:ext cx="6771198" cy="5241466"/>
+        </p:nvSpPr>
+        <p:spPr>
+          <a:xfrm>
+            <a:off x="838200" y="1733384"/>
+            <a:ext cx="9995807" cy="3416320"/>
           </a:xfrm>
           <a:prstGeom prst="rect">
             <a:avLst/>
           </a:prstGeom>
-        </p:spPr>
-      </p:pic>
+          <a:noFill/>
+        </p:spPr>
+        <p:txBody>
+          <a:bodyPr wrap="square" rtlCol="0">
+            <a:spAutoFit/>
+          </a:bodyPr>
+          <a:lstStyle/>
+          <a:p>
+            <a:r>
+              <a:rPr lang="en-US" b="1" dirty="0" err="1" smtClean="0"/>
+              <a:t>Debezium</a:t>
+            </a:r>
+            <a:endParaRPr lang="en-US" b="1" dirty="0" smtClean="0"/>
+          </a:p>
+          <a:p>
+            <a:endParaRPr lang="en-US" b="1" dirty="0"/>
+          </a:p>
+          <a:p>
+            <a:r>
+              <a:rPr lang="en-US" dirty="0" err="1"/>
+              <a:t>Debezium</a:t>
+            </a:r>
+            <a:r>
+              <a:rPr lang="en-US" dirty="0"/>
+              <a:t> is an open-source tool for CDC that is based on Apache Kafka. It can capture row-level changes using transactional logs. The order of events recorded by </a:t>
+            </a:r>
+            <a:r>
+              <a:rPr lang="en-US" dirty="0" err="1"/>
+              <a:t>Debezium</a:t>
+            </a:r>
+            <a:r>
+              <a:rPr lang="en-US" dirty="0"/>
+              <a:t> is the same as how changes were made to the database. These events become topics published to Apache Kafka</a:t>
+            </a:r>
+            <a:r>
+              <a:rPr lang="en-US" dirty="0" smtClean="0"/>
+              <a:t>.</a:t>
+            </a:r>
+          </a:p>
+          <a:p>
+            <a:endParaRPr lang="en-US" dirty="0"/>
+          </a:p>
+          <a:p>
+            <a:r>
+              <a:rPr lang="en-US" b="1" dirty="0"/>
+              <a:t>References:</a:t>
+            </a:r>
+          </a:p>
+          <a:p>
+            <a:r>
+              <a:rPr lang="en-US" dirty="0">
+                <a:hlinkClick r:id="rId2"/>
+              </a:rPr>
+              <a:t>https://</a:t>
+            </a:r>
+            <a:r>
+              <a:rPr lang="en-US" dirty="0" smtClean="0">
+                <a:hlinkClick r:id="rId2"/>
+              </a:rPr>
+              <a:t>www.arcion.io/blog/cdc-tools</a:t>
+            </a:r>
+            <a:endParaRPr lang="en-US" dirty="0" smtClean="0"/>
+          </a:p>
+          <a:p>
+            <a:r>
+              <a:rPr lang="en-US" dirty="0" smtClean="0">
+                <a:hlinkClick r:id="rId3"/>
+              </a:rPr>
+              <a:t>https</a:t>
+            </a:r>
+            <a:r>
+              <a:rPr lang="en-US" dirty="0">
+                <a:hlinkClick r:id="rId3"/>
+              </a:rPr>
+              <a:t>://</a:t>
+            </a:r>
+            <a:r>
+              <a:rPr lang="en-US" dirty="0" smtClean="0">
+                <a:hlinkClick r:id="rId3"/>
+              </a:rPr>
+              <a:t>debezium.io/documentation/reference/stable/connectors/postgresql.html</a:t>
+            </a:r>
+            <a:endParaRPr lang="en-US" dirty="0" smtClean="0"/>
+          </a:p>
+          <a:p>
+            <a:r>
+              <a:rPr lang="en-US" dirty="0">
+                <a:hlinkClick r:id="rId4"/>
+              </a:rPr>
+              <a:t>https://</a:t>
+            </a:r>
+            <a:r>
+              <a:rPr lang="en-US" dirty="0" smtClean="0">
+                <a:hlinkClick r:id="rId4"/>
+              </a:rPr>
+              <a:t>debezium.io/documentation/reference/stable/architecture.html</a:t>
+            </a:r>
+            <a:endParaRPr lang="en-US" dirty="0" smtClean="0"/>
+          </a:p>
+          <a:p>
+            <a:endParaRPr lang="en-US" dirty="0" smtClean="0"/>
+          </a:p>
+          <a:p>
+            <a:endParaRPr lang="en-US" dirty="0"/>
+          </a:p>
+        </p:txBody>
+      </p:sp>
     </p:spTree>
     <p:extLst>
       <p:ext uri="{BB962C8B-B14F-4D97-AF65-F5344CB8AC3E}">
-        <p14:creationId xmlns:p14="http://schemas.microsoft.com/office/powerpoint/2010/main" val="790901400"/>
+        <p14:creationId xmlns:p14="http://schemas.microsoft.com/office/powerpoint/2010/main" val="3591840712"/>
       </p:ext>
     </p:extLst>
   </p:cSld>
@@ -37664,12 +36085,16 @@
           <a:lstStyle/>
           <a:p>
             <a:r>
-              <a:rPr lang="en-US" dirty="0" err="1" smtClean="0"/>
-              <a:t>Git</a:t>
+              <a:rPr lang="en-US" dirty="0" smtClean="0"/>
+              <a:t>Concepts: </a:t>
             </a:r>
             <a:r>
               <a:rPr lang="en-US" dirty="0"/>
-              <a:t>: https://github.com/bao2902/logbasedcdc</a:t>
+              <a:t>K</a:t>
+            </a:r>
+            <a:r>
+              <a:rPr lang="en-US" dirty="0" smtClean="0"/>
+              <a:t>SQL</a:t>
             </a:r>
             <a:endParaRPr lang="en-US" dirty="0"/>
           </a:p>
@@ -37691,8 +36116,8 @@
         </p:blipFill>
         <p:spPr>
           <a:xfrm>
-            <a:off x="838199" y="944142"/>
-            <a:ext cx="6946127" cy="5480802"/>
+            <a:off x="838200" y="1160476"/>
+            <a:ext cx="9486900" cy="4552950"/>
           </a:xfrm>
           <a:prstGeom prst="rect">
             <a:avLst/>
@@ -37702,7 +36127,7 @@
     </p:spTree>
     <p:extLst>
       <p:ext uri="{BB962C8B-B14F-4D97-AF65-F5344CB8AC3E}">
-        <p14:creationId xmlns:p14="http://schemas.microsoft.com/office/powerpoint/2010/main" val="867968408"/>
+        <p14:creationId xmlns:p14="http://schemas.microsoft.com/office/powerpoint/2010/main" val="3682480425"/>
       </p:ext>
     </p:extLst>
   </p:cSld>
